--- a/架构.pptx
+++ b/架构.pptx
@@ -105,6 +105,11 @@
       </a:defRPr>
     </a:lvl9pPr>
   </p:defaultTextStyle>
+  <p:extLst>
+    <p:ext uri="{EFAFB233-063F-42B5-8137-9DF3F51BA10A}">
+      <p15:sldGuideLst xmlns:p15="http://schemas.microsoft.com/office/powerpoint/2012/main"/>
+    </p:ext>
+  </p:extLst>
 </p:presentation>
 </file>
 
@@ -4160,6 +4165,148 @@
           </a:fontRef>
         </p:style>
       </p:cxnSp>
+      <p:sp>
+        <p:nvSpPr>
+          <p:cNvPr id="5" name="矩形: 圆角 4">
+            <a:extLst>
+              <a:ext uri="{FF2B5EF4-FFF2-40B4-BE49-F238E27FC236}">
+                <a16:creationId xmlns:a16="http://schemas.microsoft.com/office/drawing/2014/main" id="{A9D22528-BD64-E9B6-F5A3-08A53D6031B1}"/>
+              </a:ext>
+            </a:extLst>
+          </p:cNvPr>
+          <p:cNvSpPr/>
+          <p:nvPr/>
+        </p:nvSpPr>
+        <p:spPr>
+          <a:xfrm>
+            <a:off x="8664166" y="4825497"/>
+            <a:ext cx="1381383" cy="1285591"/>
+          </a:xfrm>
+          <a:prstGeom prst="roundRect">
+            <a:avLst/>
+          </a:prstGeom>
+        </p:spPr>
+        <p:style>
+          <a:lnRef idx="2">
+            <a:schemeClr val="accent6"/>
+          </a:lnRef>
+          <a:fillRef idx="1">
+            <a:schemeClr val="lt1"/>
+          </a:fillRef>
+          <a:effectRef idx="0">
+            <a:schemeClr val="accent6"/>
+          </a:effectRef>
+          <a:fontRef idx="minor">
+            <a:schemeClr val="dk1"/>
+          </a:fontRef>
+        </p:style>
+        <p:txBody>
+          <a:bodyPr rtlCol="0" anchor="ctr"/>
+          <a:lstStyle/>
+          <a:p>
+            <a:pPr algn="ctr"/>
+            <a:r>
+              <a:rPr lang="zh-CN" altLang="en-US" dirty="0"/>
+              <a:t>抠图</a:t>
+            </a:r>
+            <a:r>
+              <a:rPr lang="en-US" altLang="zh-CN" dirty="0"/>
+              <a:t>API</a:t>
+            </a:r>
+            <a:endParaRPr lang="zh-CN" altLang="en-US" dirty="0"/>
+          </a:p>
+        </p:txBody>
+      </p:sp>
+      <p:sp>
+        <p:nvSpPr>
+          <p:cNvPr id="11" name="矩形: 圆角 10">
+            <a:extLst>
+              <a:ext uri="{FF2B5EF4-FFF2-40B4-BE49-F238E27FC236}">
+                <a16:creationId xmlns:a16="http://schemas.microsoft.com/office/drawing/2014/main" id="{EC6D22AE-4EE2-6EA3-26EA-2B82C1411F5B}"/>
+              </a:ext>
+            </a:extLst>
+          </p:cNvPr>
+          <p:cNvSpPr/>
+          <p:nvPr/>
+        </p:nvSpPr>
+        <p:spPr>
+          <a:xfrm>
+            <a:off x="8664166" y="6111088"/>
+            <a:ext cx="1381383" cy="315361"/>
+          </a:xfrm>
+          <a:prstGeom prst="roundRect">
+            <a:avLst/>
+          </a:prstGeom>
+        </p:spPr>
+        <p:style>
+          <a:lnRef idx="1">
+            <a:schemeClr val="accent6"/>
+          </a:lnRef>
+          <a:fillRef idx="2">
+            <a:schemeClr val="accent6"/>
+          </a:fillRef>
+          <a:effectRef idx="1">
+            <a:schemeClr val="accent6"/>
+          </a:effectRef>
+          <a:fontRef idx="minor">
+            <a:schemeClr val="dk1"/>
+          </a:fontRef>
+        </p:style>
+        <p:txBody>
+          <a:bodyPr rtlCol="0" anchor="ctr"/>
+          <a:lstStyle/>
+          <a:p>
+            <a:pPr algn="ctr"/>
+            <a:r>
+              <a:rPr lang="zh-CN" altLang="en-US" dirty="0"/>
+              <a:t>外置微服务</a:t>
+            </a:r>
+          </a:p>
+        </p:txBody>
+      </p:sp>
+      <p:cxnSp>
+        <p:nvCxnSpPr>
+          <p:cNvPr id="16" name="连接符: 肘形 15">
+            <a:extLst>
+              <a:ext uri="{FF2B5EF4-FFF2-40B4-BE49-F238E27FC236}">
+                <a16:creationId xmlns:a16="http://schemas.microsoft.com/office/drawing/2014/main" id="{30A06DDC-561A-7FD9-D94F-35821391A104}"/>
+              </a:ext>
+            </a:extLst>
+          </p:cNvPr>
+          <p:cNvCxnSpPr>
+            <a:cxnSpLocks/>
+            <a:endCxn id="5" idx="0"/>
+          </p:cNvCxnSpPr>
+          <p:nvPr/>
+        </p:nvCxnSpPr>
+        <p:spPr>
+          <a:xfrm>
+            <a:off x="7566097" y="4572000"/>
+            <a:ext cx="1788761" cy="253497"/>
+          </a:xfrm>
+          <a:prstGeom prst="bentConnector2">
+            <a:avLst/>
+          </a:prstGeom>
+          <a:ln>
+            <a:headEnd type="triangle"/>
+            <a:tailEnd type="triangle"/>
+          </a:ln>
+        </p:spPr>
+        <p:style>
+          <a:lnRef idx="1">
+            <a:schemeClr val="accent1"/>
+          </a:lnRef>
+          <a:fillRef idx="0">
+            <a:schemeClr val="accent1"/>
+          </a:fillRef>
+          <a:effectRef idx="0">
+            <a:schemeClr val="accent1"/>
+          </a:effectRef>
+          <a:fontRef idx="minor">
+            <a:schemeClr val="tx1"/>
+          </a:fontRef>
+        </p:style>
+      </p:cxnSp>
     </p:spTree>
     <p:extLst>
       <p:ext uri="{BB962C8B-B14F-4D97-AF65-F5344CB8AC3E}">

--- a/架构.pptx
+++ b/架构.pptx
@@ -5,8 +5,11 @@
     <p:sldMasterId id="2147483648" r:id="rId1"/>
   </p:sldMasterIdLst>
   <p:sldIdLst>
-    <p:sldId id="256" r:id="rId2"/>
-    <p:sldId id="257" r:id="rId3"/>
+    <p:sldId id="260" r:id="rId2"/>
+    <p:sldId id="256" r:id="rId3"/>
+    <p:sldId id="257" r:id="rId4"/>
+    <p:sldId id="258" r:id="rId5"/>
+    <p:sldId id="259" r:id="rId6"/>
   </p:sldIdLst>
   <p:sldSz cx="12192000" cy="6858000"/>
   <p:notesSz cx="6858000" cy="9144000"/>
@@ -260,7 +263,7 @@
           <a:p>
             <a:fld id="{952B339F-9232-4638-B715-A807953F338C}" type="datetimeFigureOut">
               <a:rPr lang="zh-CN" altLang="en-US" smtClean="0"/>
-              <a:t>2024/4/8</a:t>
+              <a:t>2024/4/22</a:t>
             </a:fld>
             <a:endParaRPr lang="zh-CN" altLang="en-US"/>
           </a:p>
@@ -458,7 +461,7 @@
           <a:p>
             <a:fld id="{952B339F-9232-4638-B715-A807953F338C}" type="datetimeFigureOut">
               <a:rPr lang="zh-CN" altLang="en-US" smtClean="0"/>
-              <a:t>2024/4/8</a:t>
+              <a:t>2024/4/22</a:t>
             </a:fld>
             <a:endParaRPr lang="zh-CN" altLang="en-US"/>
           </a:p>
@@ -666,7 +669,7 @@
           <a:p>
             <a:fld id="{952B339F-9232-4638-B715-A807953F338C}" type="datetimeFigureOut">
               <a:rPr lang="zh-CN" altLang="en-US" smtClean="0"/>
-              <a:t>2024/4/8</a:t>
+              <a:t>2024/4/22</a:t>
             </a:fld>
             <a:endParaRPr lang="zh-CN" altLang="en-US"/>
           </a:p>
@@ -864,7 +867,7 @@
           <a:p>
             <a:fld id="{952B339F-9232-4638-B715-A807953F338C}" type="datetimeFigureOut">
               <a:rPr lang="zh-CN" altLang="en-US" smtClean="0"/>
-              <a:t>2024/4/8</a:t>
+              <a:t>2024/4/22</a:t>
             </a:fld>
             <a:endParaRPr lang="zh-CN" altLang="en-US"/>
           </a:p>
@@ -1139,7 +1142,7 @@
           <a:p>
             <a:fld id="{952B339F-9232-4638-B715-A807953F338C}" type="datetimeFigureOut">
               <a:rPr lang="zh-CN" altLang="en-US" smtClean="0"/>
-              <a:t>2024/4/8</a:t>
+              <a:t>2024/4/22</a:t>
             </a:fld>
             <a:endParaRPr lang="zh-CN" altLang="en-US"/>
           </a:p>
@@ -1404,7 +1407,7 @@
           <a:p>
             <a:fld id="{952B339F-9232-4638-B715-A807953F338C}" type="datetimeFigureOut">
               <a:rPr lang="zh-CN" altLang="en-US" smtClean="0"/>
-              <a:t>2024/4/8</a:t>
+              <a:t>2024/4/22</a:t>
             </a:fld>
             <a:endParaRPr lang="zh-CN" altLang="en-US"/>
           </a:p>
@@ -1816,7 +1819,7 @@
           <a:p>
             <a:fld id="{952B339F-9232-4638-B715-A807953F338C}" type="datetimeFigureOut">
               <a:rPr lang="zh-CN" altLang="en-US" smtClean="0"/>
-              <a:t>2024/4/8</a:t>
+              <a:t>2024/4/22</a:t>
             </a:fld>
             <a:endParaRPr lang="zh-CN" altLang="en-US"/>
           </a:p>
@@ -1957,7 +1960,7 @@
           <a:p>
             <a:fld id="{952B339F-9232-4638-B715-A807953F338C}" type="datetimeFigureOut">
               <a:rPr lang="zh-CN" altLang="en-US" smtClean="0"/>
-              <a:t>2024/4/8</a:t>
+              <a:t>2024/4/22</a:t>
             </a:fld>
             <a:endParaRPr lang="zh-CN" altLang="en-US"/>
           </a:p>
@@ -2070,7 +2073,7 @@
           <a:p>
             <a:fld id="{952B339F-9232-4638-B715-A807953F338C}" type="datetimeFigureOut">
               <a:rPr lang="zh-CN" altLang="en-US" smtClean="0"/>
-              <a:t>2024/4/8</a:t>
+              <a:t>2024/4/22</a:t>
             </a:fld>
             <a:endParaRPr lang="zh-CN" altLang="en-US"/>
           </a:p>
@@ -2381,7 +2384,7 @@
           <a:p>
             <a:fld id="{952B339F-9232-4638-B715-A807953F338C}" type="datetimeFigureOut">
               <a:rPr lang="zh-CN" altLang="en-US" smtClean="0"/>
-              <a:t>2024/4/8</a:t>
+              <a:t>2024/4/22</a:t>
             </a:fld>
             <a:endParaRPr lang="zh-CN" altLang="en-US"/>
           </a:p>
@@ -2669,7 +2672,7 @@
           <a:p>
             <a:fld id="{952B339F-9232-4638-B715-A807953F338C}" type="datetimeFigureOut">
               <a:rPr lang="zh-CN" altLang="en-US" smtClean="0"/>
-              <a:t>2024/4/8</a:t>
+              <a:t>2024/4/22</a:t>
             </a:fld>
             <a:endParaRPr lang="zh-CN" altLang="en-US"/>
           </a:p>
@@ -2910,7 +2913,7 @@
           <a:p>
             <a:fld id="{952B339F-9232-4638-B715-A807953F338C}" type="datetimeFigureOut">
               <a:rPr lang="zh-CN" altLang="en-US" smtClean="0"/>
-              <a:t>2024/4/8</a:t>
+              <a:t>2024/4/22</a:t>
             </a:fld>
             <a:endParaRPr lang="zh-CN" altLang="en-US"/>
           </a:p>
@@ -3329,10 +3332,10 @@
       </p:grpSpPr>
       <p:sp>
         <p:nvSpPr>
-          <p:cNvPr id="2" name="圆柱体 1">
-            <a:extLst>
-              <a:ext uri="{FF2B5EF4-FFF2-40B4-BE49-F238E27FC236}">
-                <a16:creationId xmlns:a16="http://schemas.microsoft.com/office/drawing/2014/main" id="{25360122-7D5D-F3BF-3C3C-1A29CBB30195}"/>
+          <p:cNvPr id="2" name="矩形 1">
+            <a:extLst>
+              <a:ext uri="{FF2B5EF4-FFF2-40B4-BE49-F238E27FC236}">
+                <a16:creationId xmlns:a16="http://schemas.microsoft.com/office/drawing/2014/main" id="{CDC1C32A-8AC2-8066-225C-7FA31590B79B}"/>
               </a:ext>
             </a:extLst>
           </p:cNvPr>
@@ -3341,7 +3344,208 @@
         </p:nvSpPr>
         <p:spPr>
           <a:xfrm>
-            <a:off x="1396651" y="2537234"/>
+            <a:off x="3926177" y="2967335"/>
+            <a:ext cx="4339650" cy="923330"/>
+          </a:xfrm>
+          <a:prstGeom prst="rect">
+            <a:avLst/>
+          </a:prstGeom>
+          <a:noFill/>
+        </p:spPr>
+        <p:txBody>
+          <a:bodyPr wrap="none" lIns="91440" tIns="45720" rIns="91440" bIns="45720">
+            <a:spAutoFit/>
+          </a:bodyPr>
+          <a:lstStyle/>
+          <a:p>
+            <a:pPr algn="ctr"/>
+            <a:r>
+              <a:rPr lang="zh-CN" altLang="en-US" sz="5400" dirty="0">
+                <a:ln w="0"/>
+                <a:effectLst>
+                  <a:outerShdw blurRad="38100" dist="19050" dir="2700000" algn="tl" rotWithShape="0">
+                    <a:schemeClr val="dk1">
+                      <a:alpha val="40000"/>
+                    </a:schemeClr>
+                  </a:outerShdw>
+                </a:effectLst>
+              </a:rPr>
+              <a:t>基础模块架构</a:t>
+            </a:r>
+            <a:endParaRPr lang="zh-CN" altLang="en-US" sz="5400" b="0" cap="none" spc="0" dirty="0">
+              <a:ln w="0"/>
+              <a:solidFill>
+                <a:schemeClr val="tx1"/>
+              </a:solidFill>
+              <a:effectLst>
+                <a:outerShdw blurRad="38100" dist="19050" dir="2700000" algn="tl" rotWithShape="0">
+                  <a:schemeClr val="dk1">
+                    <a:alpha val="40000"/>
+                  </a:schemeClr>
+                </a:outerShdw>
+              </a:effectLst>
+            </a:endParaRPr>
+          </a:p>
+        </p:txBody>
+      </p:sp>
+    </p:spTree>
+    <p:extLst>
+      <p:ext uri="{BB962C8B-B14F-4D97-AF65-F5344CB8AC3E}">
+        <p14:creationId xmlns:p14="http://schemas.microsoft.com/office/powerpoint/2010/main" val="4197596015"/>
+      </p:ext>
+    </p:extLst>
+  </p:cSld>
+  <p:clrMapOvr>
+    <a:masterClrMapping/>
+  </p:clrMapOvr>
+</p:sld>
+</file>
+
+<file path=ppt/slides/slide2.xml><?xml version="1.0" encoding="utf-8"?>
+<p:sld xmlns:a="http://schemas.openxmlformats.org/drawingml/2006/main" xmlns:r="http://schemas.openxmlformats.org/officeDocument/2006/relationships" xmlns:p="http://schemas.openxmlformats.org/presentationml/2006/main">
+  <p:cSld>
+    <p:spTree>
+      <p:nvGrpSpPr>
+        <p:cNvPr id="1" name=""/>
+        <p:cNvGrpSpPr/>
+        <p:nvPr/>
+      </p:nvGrpSpPr>
+      <p:grpSpPr>
+        <a:xfrm>
+          <a:off x="0" y="0"/>
+          <a:ext cx="0" cy="0"/>
+          <a:chOff x="0" y="0"/>
+          <a:chExt cx="0" cy="0"/>
+        </a:xfrm>
+      </p:grpSpPr>
+      <p:grpSp>
+        <p:nvGrpSpPr>
+          <p:cNvPr id="56" name="组合 55">
+            <a:extLst>
+              <a:ext uri="{FF2B5EF4-FFF2-40B4-BE49-F238E27FC236}">
+                <a16:creationId xmlns:a16="http://schemas.microsoft.com/office/drawing/2014/main" id="{7DA1282A-CBB8-4A86-BD70-A6936F44E152}"/>
+              </a:ext>
+            </a:extLst>
+          </p:cNvPr>
+          <p:cNvGrpSpPr/>
+          <p:nvPr/>
+        </p:nvGrpSpPr>
+        <p:grpSpPr>
+          <a:xfrm>
+            <a:off x="3295449" y="213007"/>
+            <a:ext cx="5892638" cy="6212027"/>
+            <a:chOff x="3295449" y="213007"/>
+            <a:chExt cx="5892638" cy="6212027"/>
+          </a:xfrm>
+        </p:grpSpPr>
+        <p:sp>
+          <p:nvSpPr>
+            <p:cNvPr id="38" name="矩形: 圆角 37">
+              <a:extLst>
+                <a:ext uri="{FF2B5EF4-FFF2-40B4-BE49-F238E27FC236}">
+                  <a16:creationId xmlns:a16="http://schemas.microsoft.com/office/drawing/2014/main" id="{F3CEB8B5-3512-6A15-B4BE-7ECCD8D1ABB8}"/>
+                </a:ext>
+              </a:extLst>
+            </p:cNvPr>
+            <p:cNvSpPr/>
+            <p:nvPr/>
+          </p:nvSpPr>
+          <p:spPr>
+            <a:xfrm>
+              <a:off x="3295449" y="5842434"/>
+              <a:ext cx="5892638" cy="582600"/>
+            </a:xfrm>
+            <a:prstGeom prst="roundRect">
+              <a:avLst/>
+            </a:prstGeom>
+          </p:spPr>
+          <p:style>
+            <a:lnRef idx="1">
+              <a:schemeClr val="accent6"/>
+            </a:lnRef>
+            <a:fillRef idx="2">
+              <a:schemeClr val="accent6"/>
+            </a:fillRef>
+            <a:effectRef idx="1">
+              <a:schemeClr val="accent6"/>
+            </a:effectRef>
+            <a:fontRef idx="minor">
+              <a:schemeClr val="dk1"/>
+            </a:fontRef>
+          </p:style>
+          <p:txBody>
+            <a:bodyPr rtlCol="0" anchor="ctr"/>
+            <a:lstStyle/>
+            <a:p>
+              <a:pPr algn="ctr"/>
+              <a:r>
+                <a:rPr lang="zh-CN" altLang="en-US" dirty="0"/>
+                <a:t>抠图终端</a:t>
+              </a:r>
+            </a:p>
+          </p:txBody>
+        </p:sp>
+        <p:sp>
+          <p:nvSpPr>
+            <p:cNvPr id="28" name="矩形: 圆角 27">
+              <a:extLst>
+                <a:ext uri="{FF2B5EF4-FFF2-40B4-BE49-F238E27FC236}">
+                  <a16:creationId xmlns:a16="http://schemas.microsoft.com/office/drawing/2014/main" id="{1B390645-C35D-791D-D452-F22B984EA3BE}"/>
+                </a:ext>
+              </a:extLst>
+            </p:cNvPr>
+            <p:cNvSpPr/>
+            <p:nvPr/>
+          </p:nvSpPr>
+          <p:spPr>
+            <a:xfrm>
+              <a:off x="3295449" y="213007"/>
+              <a:ext cx="5892638" cy="5634182"/>
+            </a:xfrm>
+            <a:prstGeom prst="roundRect">
+              <a:avLst/>
+            </a:prstGeom>
+            <a:ln/>
+          </p:spPr>
+          <p:style>
+            <a:lnRef idx="2">
+              <a:schemeClr val="accent6"/>
+            </a:lnRef>
+            <a:fillRef idx="1">
+              <a:schemeClr val="lt1"/>
+            </a:fillRef>
+            <a:effectRef idx="0">
+              <a:schemeClr val="accent6"/>
+            </a:effectRef>
+            <a:fontRef idx="minor">
+              <a:schemeClr val="dk1"/>
+            </a:fontRef>
+          </p:style>
+          <p:txBody>
+            <a:bodyPr rtlCol="0" anchor="ctr"/>
+            <a:lstStyle/>
+            <a:p>
+              <a:pPr algn="ctr"/>
+              <a:endParaRPr lang="zh-CN" altLang="en-US"/>
+            </a:p>
+          </p:txBody>
+        </p:sp>
+      </p:grpSp>
+      <p:sp>
+        <p:nvSpPr>
+          <p:cNvPr id="2" name="圆柱体 1">
+            <a:extLst>
+              <a:ext uri="{FF2B5EF4-FFF2-40B4-BE49-F238E27FC236}">
+                <a16:creationId xmlns:a16="http://schemas.microsoft.com/office/drawing/2014/main" id="{25360122-7D5D-F3BF-3C3C-1A29CBB30195}"/>
+              </a:ext>
+            </a:extLst>
+          </p:cNvPr>
+          <p:cNvSpPr/>
+          <p:nvPr/>
+        </p:nvSpPr>
+        <p:spPr>
+          <a:xfrm>
+            <a:off x="766483" y="1651114"/>
             <a:ext cx="2190938" cy="1855960"/>
           </a:xfrm>
           <a:prstGeom prst="can">
@@ -3377,12 +3581,106 @@
           </a:p>
         </p:txBody>
       </p:sp>
+      <p:sp>
+        <p:nvSpPr>
+          <p:cNvPr id="52" name="椭圆 51">
+            <a:extLst>
+              <a:ext uri="{FF2B5EF4-FFF2-40B4-BE49-F238E27FC236}">
+                <a16:creationId xmlns:a16="http://schemas.microsoft.com/office/drawing/2014/main" id="{7CAC5660-B531-A8DE-FEB3-D096FD26831F}"/>
+              </a:ext>
+            </a:extLst>
+          </p:cNvPr>
+          <p:cNvSpPr/>
+          <p:nvPr/>
+        </p:nvSpPr>
+        <p:spPr>
+          <a:xfrm>
+            <a:off x="5976200" y="4884012"/>
+            <a:ext cx="1123646" cy="618535"/>
+          </a:xfrm>
+          <a:prstGeom prst="ellipse">
+            <a:avLst/>
+          </a:prstGeom>
+        </p:spPr>
+        <p:style>
+          <a:lnRef idx="1">
+            <a:schemeClr val="accent4"/>
+          </a:lnRef>
+          <a:fillRef idx="2">
+            <a:schemeClr val="accent4"/>
+          </a:fillRef>
+          <a:effectRef idx="1">
+            <a:schemeClr val="accent4"/>
+          </a:effectRef>
+          <a:fontRef idx="minor">
+            <a:schemeClr val="dk1"/>
+          </a:fontRef>
+        </p:style>
+        <p:txBody>
+          <a:bodyPr rtlCol="0" anchor="ctr"/>
+          <a:lstStyle/>
+          <a:p>
+            <a:pPr algn="ctr"/>
+            <a:r>
+              <a:rPr lang="zh-CN" altLang="en-US" dirty="0"/>
+              <a:t>定时启动</a:t>
+            </a:r>
+          </a:p>
+        </p:txBody>
+      </p:sp>
+      <p:sp>
+        <p:nvSpPr>
+          <p:cNvPr id="53" name="椭圆 52">
+            <a:extLst>
+              <a:ext uri="{FF2B5EF4-FFF2-40B4-BE49-F238E27FC236}">
+                <a16:creationId xmlns:a16="http://schemas.microsoft.com/office/drawing/2014/main" id="{BB9CEE81-6A77-15DC-0324-AA1D4D5F06D9}"/>
+              </a:ext>
+            </a:extLst>
+          </p:cNvPr>
+          <p:cNvSpPr/>
+          <p:nvPr/>
+        </p:nvSpPr>
+        <p:spPr>
+          <a:xfrm>
+            <a:off x="4223193" y="4894154"/>
+            <a:ext cx="1102515" cy="618535"/>
+          </a:xfrm>
+          <a:prstGeom prst="ellipse">
+            <a:avLst/>
+          </a:prstGeom>
+        </p:spPr>
+        <p:style>
+          <a:lnRef idx="1">
+            <a:schemeClr val="accent4"/>
+          </a:lnRef>
+          <a:fillRef idx="2">
+            <a:schemeClr val="accent4"/>
+          </a:fillRef>
+          <a:effectRef idx="1">
+            <a:schemeClr val="accent4"/>
+          </a:effectRef>
+          <a:fontRef idx="minor">
+            <a:schemeClr val="dk1"/>
+          </a:fontRef>
+        </p:style>
+        <p:txBody>
+          <a:bodyPr rtlCol="0" anchor="ctr"/>
+          <a:lstStyle/>
+          <a:p>
+            <a:pPr algn="ctr"/>
+            <a:r>
+              <a:rPr lang="zh-CN" altLang="en-US" dirty="0"/>
+              <a:t>自我检查</a:t>
+            </a:r>
+          </a:p>
+        </p:txBody>
+      </p:sp>
       <p:grpSp>
         <p:nvGrpSpPr>
-          <p:cNvPr id="51" name="组合 50">
-            <a:extLst>
-              <a:ext uri="{FF2B5EF4-FFF2-40B4-BE49-F238E27FC236}">
-                <a16:creationId xmlns:a16="http://schemas.microsoft.com/office/drawing/2014/main" id="{0EE0CE9F-FA71-FB3F-AC0A-1DCCBADE7F8B}"/>
+          <p:cNvPr id="33" name="组合 32">
+            <a:extLst>
+              <a:ext uri="{FF2B5EF4-FFF2-40B4-BE49-F238E27FC236}">
+                <a16:creationId xmlns:a16="http://schemas.microsoft.com/office/drawing/2014/main" id="{D380232C-70DA-6D7A-31D2-E9B6ACA7E8C0}"/>
               </a:ext>
             </a:extLst>
           </p:cNvPr>
@@ -3391,9 +3689,205 @@
         </p:nvGrpSpPr>
         <p:grpSpPr>
           <a:xfrm>
-            <a:off x="4544841" y="1328596"/>
+            <a:off x="7543706" y="3911737"/>
+            <a:ext cx="1381383" cy="1600952"/>
+            <a:chOff x="8173874" y="4797857"/>
+            <a:chExt cx="1381383" cy="1600952"/>
+          </a:xfrm>
+        </p:grpSpPr>
+        <p:sp>
+          <p:nvSpPr>
+            <p:cNvPr id="5" name="矩形: 圆角 4">
+              <a:extLst>
+                <a:ext uri="{FF2B5EF4-FFF2-40B4-BE49-F238E27FC236}">
+                  <a16:creationId xmlns:a16="http://schemas.microsoft.com/office/drawing/2014/main" id="{A9D22528-BD64-E9B6-F5A3-08A53D6031B1}"/>
+                </a:ext>
+              </a:extLst>
+            </p:cNvPr>
+            <p:cNvSpPr/>
+            <p:nvPr/>
+          </p:nvSpPr>
+          <p:spPr>
+            <a:xfrm>
+              <a:off x="8173874" y="4797857"/>
+              <a:ext cx="1381383" cy="1285591"/>
+            </a:xfrm>
+            <a:prstGeom prst="roundRect">
+              <a:avLst/>
+            </a:prstGeom>
+            <a:gradFill>
+              <a:gsLst>
+                <a:gs pos="34000">
+                  <a:schemeClr val="accent6">
+                    <a:lumMod val="20000"/>
+                    <a:lumOff val="80000"/>
+                  </a:schemeClr>
+                </a:gs>
+                <a:gs pos="100000">
+                  <a:schemeClr val="bg1"/>
+                </a:gs>
+              </a:gsLst>
+              <a:path path="circle">
+                <a:fillToRect l="50000" t="50000" r="50000" b="50000"/>
+              </a:path>
+            </a:gradFill>
+          </p:spPr>
+          <p:style>
+            <a:lnRef idx="2">
+              <a:schemeClr val="accent6"/>
+            </a:lnRef>
+            <a:fillRef idx="1">
+              <a:schemeClr val="lt1"/>
+            </a:fillRef>
+            <a:effectRef idx="0">
+              <a:schemeClr val="accent6"/>
+            </a:effectRef>
+            <a:fontRef idx="minor">
+              <a:schemeClr val="dk1"/>
+            </a:fontRef>
+          </p:style>
+          <p:txBody>
+            <a:bodyPr rtlCol="0" anchor="ctr"/>
+            <a:lstStyle/>
+            <a:p>
+              <a:pPr algn="ctr"/>
+              <a:r>
+                <a:rPr lang="zh-CN" altLang="en-US" dirty="0"/>
+                <a:t>抠图</a:t>
+              </a:r>
+              <a:r>
+                <a:rPr lang="en-US" altLang="zh-CN" dirty="0"/>
+                <a:t>API</a:t>
+              </a:r>
+              <a:endParaRPr lang="zh-CN" altLang="en-US" dirty="0"/>
+            </a:p>
+          </p:txBody>
+        </p:sp>
+        <p:sp>
+          <p:nvSpPr>
+            <p:cNvPr id="11" name="矩形: 圆角 10">
+              <a:extLst>
+                <a:ext uri="{FF2B5EF4-FFF2-40B4-BE49-F238E27FC236}">
+                  <a16:creationId xmlns:a16="http://schemas.microsoft.com/office/drawing/2014/main" id="{EC6D22AE-4EE2-6EA3-26EA-2B82C1411F5B}"/>
+                </a:ext>
+              </a:extLst>
+            </p:cNvPr>
+            <p:cNvSpPr/>
+            <p:nvPr/>
+          </p:nvSpPr>
+          <p:spPr>
+            <a:xfrm>
+              <a:off x="8173874" y="6083448"/>
+              <a:ext cx="1381383" cy="315361"/>
+            </a:xfrm>
+            <a:prstGeom prst="roundRect">
+              <a:avLst/>
+            </a:prstGeom>
+          </p:spPr>
+          <p:style>
+            <a:lnRef idx="1">
+              <a:schemeClr val="accent6"/>
+            </a:lnRef>
+            <a:fillRef idx="2">
+              <a:schemeClr val="accent6"/>
+            </a:fillRef>
+            <a:effectRef idx="1">
+              <a:schemeClr val="accent6"/>
+            </a:effectRef>
+            <a:fontRef idx="minor">
+              <a:schemeClr val="dk1"/>
+            </a:fontRef>
+          </p:style>
+          <p:txBody>
+            <a:bodyPr rtlCol="0" anchor="ctr"/>
+            <a:lstStyle/>
+            <a:p>
+              <a:pPr algn="ctr"/>
+              <a:r>
+                <a:rPr lang="zh-CN" altLang="en-US" dirty="0"/>
+                <a:t>外置微服务</a:t>
+              </a:r>
+            </a:p>
+          </p:txBody>
+        </p:sp>
+      </p:grpSp>
+      <p:sp>
+        <p:nvSpPr>
+          <p:cNvPr id="14" name="圆柱体 13">
+            <a:extLst>
+              <a:ext uri="{FF2B5EF4-FFF2-40B4-BE49-F238E27FC236}">
+                <a16:creationId xmlns:a16="http://schemas.microsoft.com/office/drawing/2014/main" id="{FB5028CE-AB92-DFF4-9B39-3070F6E020C3}"/>
+              </a:ext>
+            </a:extLst>
+          </p:cNvPr>
+          <p:cNvSpPr/>
+          <p:nvPr/>
+        </p:nvSpPr>
+        <p:spPr>
+          <a:xfrm>
+            <a:off x="9526115" y="2231458"/>
+            <a:ext cx="2190938" cy="1077572"/>
+          </a:xfrm>
+          <a:prstGeom prst="can">
+            <a:avLst/>
+          </a:prstGeom>
+          <a:solidFill>
+            <a:schemeClr val="accent2">
+              <a:lumMod val="40000"/>
+              <a:lumOff val="60000"/>
+            </a:schemeClr>
+          </a:solidFill>
+        </p:spPr>
+        <p:style>
+          <a:lnRef idx="2">
+            <a:schemeClr val="accent1">
+              <a:shade val="50000"/>
+            </a:schemeClr>
+          </a:lnRef>
+          <a:fillRef idx="1">
+            <a:schemeClr val="accent1"/>
+          </a:fillRef>
+          <a:effectRef idx="0">
+            <a:schemeClr val="accent1"/>
+          </a:effectRef>
+          <a:fontRef idx="minor">
+            <a:schemeClr val="lt1"/>
+          </a:fontRef>
+        </p:style>
+        <p:txBody>
+          <a:bodyPr rtlCol="0" anchor="ctr"/>
+          <a:lstStyle/>
+          <a:p>
+            <a:pPr algn="ctr"/>
+            <a:r>
+              <a:rPr lang="en-US" altLang="zh-CN" dirty="0"/>
+              <a:t>MySQL</a:t>
+            </a:r>
+            <a:r>
+              <a:rPr lang="zh-CN" altLang="en-US" dirty="0"/>
+              <a:t>数据库</a:t>
+            </a:r>
+            <a:endParaRPr lang="en-US" altLang="zh-CN" dirty="0"/>
+          </a:p>
+        </p:txBody>
+      </p:sp>
+      <p:grpSp>
+        <p:nvGrpSpPr>
+          <p:cNvPr id="34" name="组合 33">
+            <a:extLst>
+              <a:ext uri="{FF2B5EF4-FFF2-40B4-BE49-F238E27FC236}">
+                <a16:creationId xmlns:a16="http://schemas.microsoft.com/office/drawing/2014/main" id="{6187D4CC-19D2-4956-9E69-5F5FB83B6740}"/>
+              </a:ext>
+            </a:extLst>
+          </p:cNvPr>
+          <p:cNvGrpSpPr/>
+          <p:nvPr/>
+        </p:nvGrpSpPr>
+        <p:grpSpPr>
+          <a:xfrm>
+            <a:off x="3914673" y="442476"/>
             <a:ext cx="3511548" cy="4200808"/>
-            <a:chOff x="4961299" y="688063"/>
+            <a:chOff x="4544841" y="1328596"/>
             <a:chExt cx="3511548" cy="4200808"/>
           </a:xfrm>
         </p:grpSpPr>
@@ -3411,12 +3905,29 @@
           </p:nvSpPr>
           <p:spPr>
             <a:xfrm>
-              <a:off x="4961299" y="688063"/>
+              <a:off x="4544841" y="1328596"/>
               <a:ext cx="3511548" cy="3793402"/>
             </a:xfrm>
             <a:prstGeom prst="roundRect">
               <a:avLst/>
             </a:prstGeom>
+            <a:gradFill flip="none" rotWithShape="1">
+              <a:gsLst>
+                <a:gs pos="34000">
+                  <a:schemeClr val="accent6">
+                    <a:lumMod val="20000"/>
+                    <a:lumOff val="80000"/>
+                  </a:schemeClr>
+                </a:gs>
+                <a:gs pos="100000">
+                  <a:schemeClr val="bg1"/>
+                </a:gs>
+              </a:gsLst>
+              <a:path path="circle">
+                <a:fillToRect l="50000" t="50000" r="50000" b="50000"/>
+              </a:path>
+              <a:tileRect/>
+            </a:gradFill>
           </p:spPr>
           <p:style>
             <a:lnRef idx="2">
@@ -3455,7 +3966,7 @@
           </p:nvSpPr>
           <p:spPr>
             <a:xfrm>
-              <a:off x="4961299" y="4481465"/>
+              <a:off x="4544841" y="5121998"/>
               <a:ext cx="3511548" cy="407406"/>
             </a:xfrm>
             <a:prstGeom prst="roundRect">
@@ -3503,7 +4014,7 @@
           </p:nvSpPr>
           <p:spPr>
             <a:xfrm>
-              <a:off x="7176796" y="3554617"/>
+              <a:off x="6760338" y="4195150"/>
               <a:ext cx="805759" cy="753701"/>
             </a:xfrm>
             <a:prstGeom prst="roundRect">
@@ -3552,8 +4063,8 @@
           </p:nvSpPr>
           <p:spPr>
             <a:xfrm>
-              <a:off x="6962113" y="879317"/>
-              <a:ext cx="1235126" cy="753701"/>
+              <a:off x="6016840" y="1610386"/>
+              <a:ext cx="805759" cy="753701"/>
             </a:xfrm>
             <a:prstGeom prst="roundRect">
               <a:avLst/>
@@ -3601,7 +4112,7 @@
           </p:nvSpPr>
           <p:spPr>
             <a:xfrm>
-              <a:off x="7176796" y="1896701"/>
+              <a:off x="6760338" y="2537234"/>
               <a:ext cx="805759" cy="1484769"/>
             </a:xfrm>
             <a:prstGeom prst="flowChartMultidocument">
@@ -3648,7 +4159,7 @@
           </p:nvSpPr>
           <p:spPr>
             <a:xfrm>
-              <a:off x="5418198" y="1896701"/>
+              <a:off x="5001740" y="2537234"/>
               <a:ext cx="805759" cy="1484769"/>
             </a:xfrm>
             <a:prstGeom prst="flowChartMultidocument">
@@ -3695,7 +4206,7 @@
           </p:nvSpPr>
           <p:spPr>
             <a:xfrm>
-              <a:off x="5469917" y="969853"/>
+              <a:off x="5053459" y="1610386"/>
               <a:ext cx="805759" cy="753701"/>
             </a:xfrm>
             <a:prstGeom prst="roundRect">
@@ -3747,7 +4258,7 @@
           </p:nvCxnSpPr>
           <p:spPr>
             <a:xfrm>
-              <a:off x="5872796" y="1723554"/>
+              <a:off x="5456338" y="2364087"/>
               <a:ext cx="3715" cy="173147"/>
             </a:xfrm>
             <a:prstGeom prst="straightConnector1">
@@ -3790,7 +4301,7 @@
           </p:nvCxnSpPr>
           <p:spPr>
             <a:xfrm>
-              <a:off x="6223957" y="2639086"/>
+              <a:off x="5807499" y="3279619"/>
               <a:ext cx="952839" cy="0"/>
             </a:xfrm>
             <a:prstGeom prst="straightConnector1">
@@ -3832,7 +4343,7 @@
           </p:nvCxnSpPr>
           <p:spPr>
             <a:xfrm>
-              <a:off x="7575960" y="3269431"/>
+              <a:off x="7159502" y="3909964"/>
               <a:ext cx="3716" cy="285186"/>
             </a:xfrm>
             <a:prstGeom prst="straightConnector1">
@@ -3873,7 +4384,7 @@
           </p:nvCxnSpPr>
           <p:spPr>
             <a:xfrm rot="16200000" flipV="1">
-              <a:off x="6292395" y="3047066"/>
+              <a:off x="5875937" y="3687599"/>
               <a:ext cx="1292382" cy="476420"/>
             </a:xfrm>
             <a:prstGeom prst="bentConnector3">
@@ -3917,7 +4428,7 @@
           </p:nvCxnSpPr>
           <p:spPr>
             <a:xfrm rot="16200000" flipV="1">
-              <a:off x="5413101" y="2644184"/>
+              <a:off x="4996643" y="3284717"/>
               <a:ext cx="1292383" cy="1282187"/>
             </a:xfrm>
             <a:prstGeom prst="bentConnector4">
@@ -3945,26 +4456,75 @@
             </a:fontRef>
           </p:style>
         </p:cxnSp>
+        <p:sp>
+          <p:nvSpPr>
+            <p:cNvPr id="12" name="矩形: 圆角 11">
+              <a:extLst>
+                <a:ext uri="{FF2B5EF4-FFF2-40B4-BE49-F238E27FC236}">
+                  <a16:creationId xmlns:a16="http://schemas.microsoft.com/office/drawing/2014/main" id="{B97496AE-E30F-CF25-EDB6-C7705B2E7AE1}"/>
+                </a:ext>
+              </a:extLst>
+            </p:cNvPr>
+            <p:cNvSpPr/>
+            <p:nvPr/>
+          </p:nvSpPr>
+          <p:spPr>
+            <a:xfrm>
+              <a:off x="6982864" y="1610386"/>
+              <a:ext cx="805759" cy="753701"/>
+            </a:xfrm>
+            <a:prstGeom prst="roundRect">
+              <a:avLst/>
+            </a:prstGeom>
+          </p:spPr>
+          <p:style>
+            <a:lnRef idx="2">
+              <a:schemeClr val="accent6">
+                <a:shade val="50000"/>
+              </a:schemeClr>
+            </a:lnRef>
+            <a:fillRef idx="1">
+              <a:schemeClr val="accent6"/>
+            </a:fillRef>
+            <a:effectRef idx="0">
+              <a:schemeClr val="accent6"/>
+            </a:effectRef>
+            <a:fontRef idx="minor">
+              <a:schemeClr val="lt1"/>
+            </a:fontRef>
+          </p:style>
+          <p:txBody>
+            <a:bodyPr rtlCol="0" anchor="ctr"/>
+            <a:lstStyle/>
+            <a:p>
+              <a:pPr algn="ctr"/>
+              <a:r>
+                <a:rPr lang="zh-CN" altLang="en-US" dirty="0"/>
+                <a:t>抢占组件</a:t>
+              </a:r>
+            </a:p>
+          </p:txBody>
+        </p:sp>
       </p:grpSp>
       <p:cxnSp>
         <p:nvCxnSpPr>
-          <p:cNvPr id="17" name="连接符: 肘形 16">
-            <a:extLst>
-              <a:ext uri="{FF2B5EF4-FFF2-40B4-BE49-F238E27FC236}">
-                <a16:creationId xmlns:a16="http://schemas.microsoft.com/office/drawing/2014/main" id="{1CBCE486-A988-08A0-5166-5D45F7FB774B}"/>
+          <p:cNvPr id="49" name="连接符: 肘形 48">
+            <a:extLst>
+              <a:ext uri="{FF2B5EF4-FFF2-40B4-BE49-F238E27FC236}">
+                <a16:creationId xmlns:a16="http://schemas.microsoft.com/office/drawing/2014/main" id="{78AD4BE4-80B2-CD51-9F48-40BB04AA4468}"/>
               </a:ext>
             </a:extLst>
           </p:cNvPr>
           <p:cNvCxnSpPr>
             <a:cxnSpLocks/>
-            <a:stCxn id="2" idx="1"/>
+            <a:endCxn id="2" idx="3"/>
           </p:cNvCxnSpPr>
           <p:nvPr/>
         </p:nvCxnSpPr>
         <p:spPr>
-          <a:xfrm rot="5400000" flipH="1" flipV="1">
-            <a:off x="3496328" y="973974"/>
-            <a:ext cx="559052" cy="2567468"/>
+          <a:xfrm rot="10800000">
+            <a:off x="1861952" y="3507074"/>
+            <a:ext cx="2279058" cy="178806"/>
           </a:xfrm>
           <a:prstGeom prst="bentConnector2">
             <a:avLst/>
@@ -3990,282 +4550,6 @@
       </p:cxnSp>
       <p:cxnSp>
         <p:nvCxnSpPr>
-          <p:cNvPr id="49" name="连接符: 肘形 48">
-            <a:extLst>
-              <a:ext uri="{FF2B5EF4-FFF2-40B4-BE49-F238E27FC236}">
-                <a16:creationId xmlns:a16="http://schemas.microsoft.com/office/drawing/2014/main" id="{78AD4BE4-80B2-CD51-9F48-40BB04AA4468}"/>
-              </a:ext>
-            </a:extLst>
-          </p:cNvPr>
-          <p:cNvCxnSpPr>
-            <a:cxnSpLocks/>
-            <a:endCxn id="2" idx="3"/>
-          </p:cNvCxnSpPr>
-          <p:nvPr/>
-        </p:nvCxnSpPr>
-        <p:spPr>
-          <a:xfrm rot="10800000">
-            <a:off x="2492120" y="4393194"/>
-            <a:ext cx="2279058" cy="178806"/>
-          </a:xfrm>
-          <a:prstGeom prst="bentConnector2">
-            <a:avLst/>
-          </a:prstGeom>
-          <a:ln>
-            <a:tailEnd type="triangle"/>
-          </a:ln>
-        </p:spPr>
-        <p:style>
-          <a:lnRef idx="1">
-            <a:schemeClr val="accent1"/>
-          </a:lnRef>
-          <a:fillRef idx="0">
-            <a:schemeClr val="accent1"/>
-          </a:fillRef>
-          <a:effectRef idx="0">
-            <a:schemeClr val="accent1"/>
-          </a:effectRef>
-          <a:fontRef idx="minor">
-            <a:schemeClr val="tx1"/>
-          </a:fontRef>
-        </p:style>
-      </p:cxnSp>
-      <p:sp>
-        <p:nvSpPr>
-          <p:cNvPr id="52" name="椭圆 51">
-            <a:extLst>
-              <a:ext uri="{FF2B5EF4-FFF2-40B4-BE49-F238E27FC236}">
-                <a16:creationId xmlns:a16="http://schemas.microsoft.com/office/drawing/2014/main" id="{7CAC5660-B531-A8DE-FEB3-D096FD26831F}"/>
-              </a:ext>
-            </a:extLst>
-          </p:cNvPr>
-          <p:cNvSpPr/>
-          <p:nvPr/>
-        </p:nvSpPr>
-        <p:spPr>
-          <a:xfrm>
-            <a:off x="9699880" y="1992893"/>
-            <a:ext cx="1765425" cy="915533"/>
-          </a:xfrm>
-          <a:prstGeom prst="ellipse">
-            <a:avLst/>
-          </a:prstGeom>
-        </p:spPr>
-        <p:style>
-          <a:lnRef idx="1">
-            <a:schemeClr val="accent4"/>
-          </a:lnRef>
-          <a:fillRef idx="2">
-            <a:schemeClr val="accent4"/>
-          </a:fillRef>
-          <a:effectRef idx="1">
-            <a:schemeClr val="accent4"/>
-          </a:effectRef>
-          <a:fontRef idx="minor">
-            <a:schemeClr val="dk1"/>
-          </a:fontRef>
-        </p:style>
-        <p:txBody>
-          <a:bodyPr rtlCol="0" anchor="ctr"/>
-          <a:lstStyle/>
-          <a:p>
-            <a:pPr algn="ctr"/>
-            <a:r>
-              <a:rPr lang="zh-CN" altLang="en-US" dirty="0"/>
-              <a:t>定时启动</a:t>
-            </a:r>
-          </a:p>
-        </p:txBody>
-      </p:sp>
-      <p:sp>
-        <p:nvSpPr>
-          <p:cNvPr id="53" name="椭圆 52">
-            <a:extLst>
-              <a:ext uri="{FF2B5EF4-FFF2-40B4-BE49-F238E27FC236}">
-                <a16:creationId xmlns:a16="http://schemas.microsoft.com/office/drawing/2014/main" id="{BB9CEE81-6A77-15DC-0324-AA1D4D5F06D9}"/>
-              </a:ext>
-            </a:extLst>
-          </p:cNvPr>
-          <p:cNvSpPr/>
-          <p:nvPr/>
-        </p:nvSpPr>
-        <p:spPr>
-          <a:xfrm>
-            <a:off x="9699880" y="3559142"/>
-            <a:ext cx="1765425" cy="915533"/>
-          </a:xfrm>
-          <a:prstGeom prst="ellipse">
-            <a:avLst/>
-          </a:prstGeom>
-        </p:spPr>
-        <p:style>
-          <a:lnRef idx="1">
-            <a:schemeClr val="accent4"/>
-          </a:lnRef>
-          <a:fillRef idx="2">
-            <a:schemeClr val="accent4"/>
-          </a:fillRef>
-          <a:effectRef idx="1">
-            <a:schemeClr val="accent4"/>
-          </a:effectRef>
-          <a:fontRef idx="minor">
-            <a:schemeClr val="dk1"/>
-          </a:fontRef>
-        </p:style>
-        <p:txBody>
-          <a:bodyPr rtlCol="0" anchor="ctr"/>
-          <a:lstStyle/>
-          <a:p>
-            <a:pPr algn="ctr"/>
-            <a:r>
-              <a:rPr lang="zh-CN" altLang="en-US" dirty="0"/>
-              <a:t>自我检查</a:t>
-            </a:r>
-          </a:p>
-        </p:txBody>
-      </p:sp>
-      <p:cxnSp>
-        <p:nvCxnSpPr>
-          <p:cNvPr id="55" name="直接箭头连接符 54">
-            <a:extLst>
-              <a:ext uri="{FF2B5EF4-FFF2-40B4-BE49-F238E27FC236}">
-                <a16:creationId xmlns:a16="http://schemas.microsoft.com/office/drawing/2014/main" id="{BC771879-D38D-DD63-F33B-1CA0AF728CA6}"/>
-              </a:ext>
-            </a:extLst>
-          </p:cNvPr>
-          <p:cNvCxnSpPr>
-            <a:stCxn id="52" idx="2"/>
-          </p:cNvCxnSpPr>
-          <p:nvPr/>
-        </p:nvCxnSpPr>
-        <p:spPr>
-          <a:xfrm flipH="1">
-            <a:off x="8056389" y="2450660"/>
-            <a:ext cx="1643491" cy="0"/>
-          </a:xfrm>
-          <a:prstGeom prst="straightConnector1">
-            <a:avLst/>
-          </a:prstGeom>
-          <a:ln>
-            <a:tailEnd type="triangle"/>
-          </a:ln>
-        </p:spPr>
-        <p:style>
-          <a:lnRef idx="1">
-            <a:schemeClr val="accent1"/>
-          </a:lnRef>
-          <a:fillRef idx="0">
-            <a:schemeClr val="accent1"/>
-          </a:fillRef>
-          <a:effectRef idx="0">
-            <a:schemeClr val="accent1"/>
-          </a:effectRef>
-          <a:fontRef idx="minor">
-            <a:schemeClr val="tx1"/>
-          </a:fontRef>
-        </p:style>
-      </p:cxnSp>
-      <p:sp>
-        <p:nvSpPr>
-          <p:cNvPr id="5" name="矩形: 圆角 4">
-            <a:extLst>
-              <a:ext uri="{FF2B5EF4-FFF2-40B4-BE49-F238E27FC236}">
-                <a16:creationId xmlns:a16="http://schemas.microsoft.com/office/drawing/2014/main" id="{A9D22528-BD64-E9B6-F5A3-08A53D6031B1}"/>
-              </a:ext>
-            </a:extLst>
-          </p:cNvPr>
-          <p:cNvSpPr/>
-          <p:nvPr/>
-        </p:nvSpPr>
-        <p:spPr>
-          <a:xfrm>
-            <a:off x="8664166" y="4825497"/>
-            <a:ext cx="1381383" cy="1285591"/>
-          </a:xfrm>
-          <a:prstGeom prst="roundRect">
-            <a:avLst/>
-          </a:prstGeom>
-        </p:spPr>
-        <p:style>
-          <a:lnRef idx="2">
-            <a:schemeClr val="accent6"/>
-          </a:lnRef>
-          <a:fillRef idx="1">
-            <a:schemeClr val="lt1"/>
-          </a:fillRef>
-          <a:effectRef idx="0">
-            <a:schemeClr val="accent6"/>
-          </a:effectRef>
-          <a:fontRef idx="minor">
-            <a:schemeClr val="dk1"/>
-          </a:fontRef>
-        </p:style>
-        <p:txBody>
-          <a:bodyPr rtlCol="0" anchor="ctr"/>
-          <a:lstStyle/>
-          <a:p>
-            <a:pPr algn="ctr"/>
-            <a:r>
-              <a:rPr lang="zh-CN" altLang="en-US" dirty="0"/>
-              <a:t>抠图</a:t>
-            </a:r>
-            <a:r>
-              <a:rPr lang="en-US" altLang="zh-CN" dirty="0"/>
-              <a:t>API</a:t>
-            </a:r>
-            <a:endParaRPr lang="zh-CN" altLang="en-US" dirty="0"/>
-          </a:p>
-        </p:txBody>
-      </p:sp>
-      <p:sp>
-        <p:nvSpPr>
-          <p:cNvPr id="11" name="矩形: 圆角 10">
-            <a:extLst>
-              <a:ext uri="{FF2B5EF4-FFF2-40B4-BE49-F238E27FC236}">
-                <a16:creationId xmlns:a16="http://schemas.microsoft.com/office/drawing/2014/main" id="{EC6D22AE-4EE2-6EA3-26EA-2B82C1411F5B}"/>
-              </a:ext>
-            </a:extLst>
-          </p:cNvPr>
-          <p:cNvSpPr/>
-          <p:nvPr/>
-        </p:nvSpPr>
-        <p:spPr>
-          <a:xfrm>
-            <a:off x="8664166" y="6111088"/>
-            <a:ext cx="1381383" cy="315361"/>
-          </a:xfrm>
-          <a:prstGeom prst="roundRect">
-            <a:avLst/>
-          </a:prstGeom>
-        </p:spPr>
-        <p:style>
-          <a:lnRef idx="1">
-            <a:schemeClr val="accent6"/>
-          </a:lnRef>
-          <a:fillRef idx="2">
-            <a:schemeClr val="accent6"/>
-          </a:fillRef>
-          <a:effectRef idx="1">
-            <a:schemeClr val="accent6"/>
-          </a:effectRef>
-          <a:fontRef idx="minor">
-            <a:schemeClr val="dk1"/>
-          </a:fontRef>
-        </p:style>
-        <p:txBody>
-          <a:bodyPr rtlCol="0" anchor="ctr"/>
-          <a:lstStyle/>
-          <a:p>
-            <a:pPr algn="ctr"/>
-            <a:r>
-              <a:rPr lang="zh-CN" altLang="en-US" dirty="0"/>
-              <a:t>外置微服务</a:t>
-            </a:r>
-          </a:p>
-        </p:txBody>
-      </p:sp>
-      <p:cxnSp>
-        <p:nvCxnSpPr>
           <p:cNvPr id="16" name="连接符: 肘形 15">
             <a:extLst>
               <a:ext uri="{FF2B5EF4-FFF2-40B4-BE49-F238E27FC236}">
@@ -4281,8 +4565,8 @@
         </p:nvCxnSpPr>
         <p:spPr>
           <a:xfrm>
-            <a:off x="7566097" y="4572000"/>
-            <a:ext cx="1788761" cy="253497"/>
+            <a:off x="6935929" y="3685880"/>
+            <a:ext cx="1298469" cy="225857"/>
           </a:xfrm>
           <a:prstGeom prst="bentConnector2">
             <a:avLst/>
@@ -4307,6 +4591,129 @@
           </a:fontRef>
         </p:style>
       </p:cxnSp>
+      <p:cxnSp>
+        <p:nvCxnSpPr>
+          <p:cNvPr id="20" name="连接符: 肘形 19">
+            <a:extLst>
+              <a:ext uri="{FF2B5EF4-FFF2-40B4-BE49-F238E27FC236}">
+                <a16:creationId xmlns:a16="http://schemas.microsoft.com/office/drawing/2014/main" id="{D401B19B-6C1C-8096-03D2-792663ADA5B9}"/>
+              </a:ext>
+            </a:extLst>
+          </p:cNvPr>
+          <p:cNvCxnSpPr>
+            <a:cxnSpLocks/>
+            <a:stCxn id="12" idx="3"/>
+            <a:endCxn id="14" idx="2"/>
+          </p:cNvCxnSpPr>
+          <p:nvPr/>
+        </p:nvCxnSpPr>
+        <p:spPr>
+          <a:xfrm>
+            <a:off x="7158455" y="1101117"/>
+            <a:ext cx="2367660" cy="1669127"/>
+          </a:xfrm>
+          <a:prstGeom prst="bentConnector3">
+            <a:avLst>
+              <a:gd name="adj1" fmla="val 50000"/>
+            </a:avLst>
+          </a:prstGeom>
+          <a:ln>
+            <a:headEnd type="triangle"/>
+            <a:tailEnd type="triangle"/>
+          </a:ln>
+        </p:spPr>
+        <p:style>
+          <a:lnRef idx="1">
+            <a:schemeClr val="accent1"/>
+          </a:lnRef>
+          <a:fillRef idx="0">
+            <a:schemeClr val="accent1"/>
+          </a:fillRef>
+          <a:effectRef idx="0">
+            <a:schemeClr val="accent1"/>
+          </a:effectRef>
+          <a:fontRef idx="minor">
+            <a:schemeClr val="tx1"/>
+          </a:fontRef>
+        </p:style>
+      </p:cxnSp>
+      <p:cxnSp>
+        <p:nvCxnSpPr>
+          <p:cNvPr id="17" name="连接符: 肘形 16">
+            <a:extLst>
+              <a:ext uri="{FF2B5EF4-FFF2-40B4-BE49-F238E27FC236}">
+                <a16:creationId xmlns:a16="http://schemas.microsoft.com/office/drawing/2014/main" id="{1CBCE486-A988-08A0-5166-5D45F7FB774B}"/>
+              </a:ext>
+            </a:extLst>
+          </p:cNvPr>
+          <p:cNvCxnSpPr>
+            <a:cxnSpLocks/>
+            <a:stCxn id="2" idx="1"/>
+          </p:cNvCxnSpPr>
+          <p:nvPr/>
+        </p:nvCxnSpPr>
+        <p:spPr>
+          <a:xfrm rot="5400000" flipH="1" flipV="1">
+            <a:off x="2867623" y="95447"/>
+            <a:ext cx="549997" cy="2561339"/>
+          </a:xfrm>
+          <a:prstGeom prst="bentConnector2">
+            <a:avLst/>
+          </a:prstGeom>
+          <a:ln>
+            <a:tailEnd type="triangle"/>
+          </a:ln>
+        </p:spPr>
+        <p:style>
+          <a:lnRef idx="1">
+            <a:schemeClr val="accent1"/>
+          </a:lnRef>
+          <a:fillRef idx="0">
+            <a:schemeClr val="accent1"/>
+          </a:fillRef>
+          <a:effectRef idx="0">
+            <a:schemeClr val="accent1"/>
+          </a:effectRef>
+          <a:fontRef idx="minor">
+            <a:schemeClr val="tx1"/>
+          </a:fontRef>
+        </p:style>
+      </p:cxnSp>
+      <p:sp>
+        <p:nvSpPr>
+          <p:cNvPr id="57" name="文本框 56">
+            <a:extLst>
+              <a:ext uri="{FF2B5EF4-FFF2-40B4-BE49-F238E27FC236}">
+                <a16:creationId xmlns:a16="http://schemas.microsoft.com/office/drawing/2014/main" id="{BC2AAE4B-E493-69F1-0474-BC16E01DBAB7}"/>
+              </a:ext>
+            </a:extLst>
+          </p:cNvPr>
+          <p:cNvSpPr txBox="1"/>
+          <p:nvPr/>
+        </p:nvSpPr>
+        <p:spPr>
+          <a:xfrm>
+            <a:off x="596569" y="5449332"/>
+            <a:ext cx="1616364" cy="369332"/>
+          </a:xfrm>
+          <a:prstGeom prst="rect">
+            <a:avLst/>
+          </a:prstGeom>
+          <a:noFill/>
+        </p:spPr>
+        <p:txBody>
+          <a:bodyPr wrap="square" rtlCol="0">
+            <a:spAutoFit/>
+          </a:bodyPr>
+          <a:lstStyle/>
+          <a:p>
+            <a:r>
+              <a:rPr lang="zh-CN" altLang="en-US" dirty="0"/>
+              <a:t>抠图终端架构</a:t>
+            </a:r>
+          </a:p>
+        </p:txBody>
+      </p:sp>
     </p:spTree>
     <p:extLst>
       <p:ext uri="{BB962C8B-B14F-4D97-AF65-F5344CB8AC3E}">
@@ -4320,7 +4727,7 @@
 </p:sld>
 </file>
 
-<file path=ppt/slides/slide2.xml><?xml version="1.0" encoding="utf-8"?>
+<file path=ppt/slides/slide3.xml><?xml version="1.0" encoding="utf-8"?>
 <p:sld xmlns:a="http://schemas.openxmlformats.org/drawingml/2006/main" xmlns:r="http://schemas.openxmlformats.org/officeDocument/2006/relationships" xmlns:p="http://schemas.openxmlformats.org/presentationml/2006/main">
   <p:cSld>
     <p:spTree>
@@ -4337,10 +4744,1132 @@
           <a:chExt cx="0" cy="0"/>
         </a:xfrm>
       </p:grpSpPr>
+      <p:sp>
+        <p:nvSpPr>
+          <p:cNvPr id="5" name="圆柱体 4">
+            <a:extLst>
+              <a:ext uri="{FF2B5EF4-FFF2-40B4-BE49-F238E27FC236}">
+                <a16:creationId xmlns:a16="http://schemas.microsoft.com/office/drawing/2014/main" id="{8BDBE0F5-CFF4-FA27-4516-74B366C296E2}"/>
+              </a:ext>
+            </a:extLst>
+          </p:cNvPr>
+          <p:cNvSpPr/>
+          <p:nvPr/>
+        </p:nvSpPr>
+        <p:spPr>
+          <a:xfrm>
+            <a:off x="491487" y="1893729"/>
+            <a:ext cx="2190938" cy="1855960"/>
+          </a:xfrm>
+          <a:prstGeom prst="can">
+            <a:avLst/>
+          </a:prstGeom>
+        </p:spPr>
+        <p:style>
+          <a:lnRef idx="2">
+            <a:schemeClr val="accent1">
+              <a:shade val="50000"/>
+            </a:schemeClr>
+          </a:lnRef>
+          <a:fillRef idx="1">
+            <a:schemeClr val="accent1"/>
+          </a:fillRef>
+          <a:effectRef idx="0">
+            <a:schemeClr val="accent1"/>
+          </a:effectRef>
+          <a:fontRef idx="minor">
+            <a:schemeClr val="lt1"/>
+          </a:fontRef>
+        </p:style>
+        <p:txBody>
+          <a:bodyPr rtlCol="0" anchor="ctr"/>
+          <a:lstStyle/>
+          <a:p>
+            <a:pPr algn="ctr"/>
+            <a:r>
+              <a:rPr lang="zh-CN" altLang="en-US" dirty="0"/>
+              <a:t>共享文件夹</a:t>
+            </a:r>
+            <a:endParaRPr lang="en-US" altLang="zh-CN" dirty="0"/>
+          </a:p>
+        </p:txBody>
+      </p:sp>
+      <p:sp>
+        <p:nvSpPr>
+          <p:cNvPr id="6" name="圆柱体 5">
+            <a:extLst>
+              <a:ext uri="{FF2B5EF4-FFF2-40B4-BE49-F238E27FC236}">
+                <a16:creationId xmlns:a16="http://schemas.microsoft.com/office/drawing/2014/main" id="{47A39B97-DA4C-FA91-DE89-0D58F8C8F086}"/>
+              </a:ext>
+            </a:extLst>
+          </p:cNvPr>
+          <p:cNvSpPr/>
+          <p:nvPr/>
+        </p:nvSpPr>
+        <p:spPr>
+          <a:xfrm>
+            <a:off x="9301475" y="2462288"/>
+            <a:ext cx="2190938" cy="1077572"/>
+          </a:xfrm>
+          <a:prstGeom prst="can">
+            <a:avLst/>
+          </a:prstGeom>
+          <a:solidFill>
+            <a:schemeClr val="accent2">
+              <a:lumMod val="40000"/>
+              <a:lumOff val="60000"/>
+            </a:schemeClr>
+          </a:solidFill>
+        </p:spPr>
+        <p:style>
+          <a:lnRef idx="2">
+            <a:schemeClr val="accent1">
+              <a:shade val="50000"/>
+            </a:schemeClr>
+          </a:lnRef>
+          <a:fillRef idx="1">
+            <a:schemeClr val="accent1"/>
+          </a:fillRef>
+          <a:effectRef idx="0">
+            <a:schemeClr val="accent1"/>
+          </a:effectRef>
+          <a:fontRef idx="minor">
+            <a:schemeClr val="lt1"/>
+          </a:fontRef>
+        </p:style>
+        <p:txBody>
+          <a:bodyPr rtlCol="0" anchor="ctr"/>
+          <a:lstStyle/>
+          <a:p>
+            <a:pPr algn="ctr"/>
+            <a:r>
+              <a:rPr lang="en-US" altLang="zh-CN" dirty="0"/>
+              <a:t>MySQL</a:t>
+            </a:r>
+            <a:r>
+              <a:rPr lang="zh-CN" altLang="en-US" dirty="0"/>
+              <a:t>数据库</a:t>
+            </a:r>
+            <a:endParaRPr lang="en-US" altLang="zh-CN" dirty="0"/>
+          </a:p>
+        </p:txBody>
+      </p:sp>
+      <p:grpSp>
+        <p:nvGrpSpPr>
+          <p:cNvPr id="12" name="组合 11">
+            <a:extLst>
+              <a:ext uri="{FF2B5EF4-FFF2-40B4-BE49-F238E27FC236}">
+                <a16:creationId xmlns:a16="http://schemas.microsoft.com/office/drawing/2014/main" id="{33EFB448-6583-4D93-4997-7DD4B56A2D0F}"/>
+              </a:ext>
+            </a:extLst>
+          </p:cNvPr>
+          <p:cNvGrpSpPr/>
+          <p:nvPr/>
+        </p:nvGrpSpPr>
+        <p:grpSpPr>
+          <a:xfrm>
+            <a:off x="3177309" y="785091"/>
+            <a:ext cx="5421746" cy="4673600"/>
+            <a:chOff x="3177309" y="785091"/>
+            <a:chExt cx="5421746" cy="4673600"/>
+          </a:xfrm>
+        </p:grpSpPr>
+        <p:sp>
+          <p:nvSpPr>
+            <p:cNvPr id="2" name="矩形: 圆角 1">
+              <a:extLst>
+                <a:ext uri="{FF2B5EF4-FFF2-40B4-BE49-F238E27FC236}">
+                  <a16:creationId xmlns:a16="http://schemas.microsoft.com/office/drawing/2014/main" id="{41C2D210-01D9-2A89-42FA-63AA7499FBF1}"/>
+                </a:ext>
+              </a:extLst>
+            </p:cNvPr>
+            <p:cNvSpPr/>
+            <p:nvPr/>
+          </p:nvSpPr>
+          <p:spPr>
+            <a:xfrm>
+              <a:off x="3177309" y="785091"/>
+              <a:ext cx="5421746" cy="4073236"/>
+            </a:xfrm>
+            <a:prstGeom prst="roundRect">
+              <a:avLst/>
+            </a:prstGeom>
+          </p:spPr>
+          <p:style>
+            <a:lnRef idx="2">
+              <a:schemeClr val="accent6"/>
+            </a:lnRef>
+            <a:fillRef idx="1">
+              <a:schemeClr val="lt1"/>
+            </a:fillRef>
+            <a:effectRef idx="0">
+              <a:schemeClr val="accent6"/>
+            </a:effectRef>
+            <a:fontRef idx="minor">
+              <a:schemeClr val="dk1"/>
+            </a:fontRef>
+          </p:style>
+          <p:txBody>
+            <a:bodyPr rtlCol="0" anchor="ctr"/>
+            <a:lstStyle/>
+            <a:p>
+              <a:pPr algn="ctr"/>
+              <a:endParaRPr lang="zh-CN" altLang="en-US"/>
+            </a:p>
+          </p:txBody>
+        </p:sp>
+        <p:sp>
+          <p:nvSpPr>
+            <p:cNvPr id="3" name="矩形: 圆角 2">
+              <a:extLst>
+                <a:ext uri="{FF2B5EF4-FFF2-40B4-BE49-F238E27FC236}">
+                  <a16:creationId xmlns:a16="http://schemas.microsoft.com/office/drawing/2014/main" id="{B54B3CAC-8C9B-4513-C22E-4FC5A9A3AC30}"/>
+                </a:ext>
+              </a:extLst>
+            </p:cNvPr>
+            <p:cNvSpPr/>
+            <p:nvPr/>
+          </p:nvSpPr>
+          <p:spPr>
+            <a:xfrm>
+              <a:off x="3177309" y="4858327"/>
+              <a:ext cx="5421746" cy="600364"/>
+            </a:xfrm>
+            <a:prstGeom prst="roundRect">
+              <a:avLst/>
+            </a:prstGeom>
+          </p:spPr>
+          <p:style>
+            <a:lnRef idx="1">
+              <a:schemeClr val="accent6"/>
+            </a:lnRef>
+            <a:fillRef idx="2">
+              <a:schemeClr val="accent6"/>
+            </a:fillRef>
+            <a:effectRef idx="1">
+              <a:schemeClr val="accent6"/>
+            </a:effectRef>
+            <a:fontRef idx="minor">
+              <a:schemeClr val="dk1"/>
+            </a:fontRef>
+          </p:style>
+          <p:txBody>
+            <a:bodyPr rtlCol="0" anchor="ctr"/>
+            <a:lstStyle/>
+            <a:p>
+              <a:pPr algn="ctr"/>
+              <a:r>
+                <a:rPr lang="zh-CN" altLang="en-US" dirty="0"/>
+                <a:t>抠图终端池</a:t>
+              </a:r>
+            </a:p>
+          </p:txBody>
+        </p:sp>
+        <p:sp>
+          <p:nvSpPr>
+            <p:cNvPr id="7" name="矩形: 圆角 6">
+              <a:extLst>
+                <a:ext uri="{FF2B5EF4-FFF2-40B4-BE49-F238E27FC236}">
+                  <a16:creationId xmlns:a16="http://schemas.microsoft.com/office/drawing/2014/main" id="{825AEE19-3F97-C95A-F9FF-2C2870BCAED1}"/>
+                </a:ext>
+              </a:extLst>
+            </p:cNvPr>
+            <p:cNvSpPr/>
+            <p:nvPr/>
+          </p:nvSpPr>
+          <p:spPr>
+            <a:xfrm>
+              <a:off x="3971636" y="1496565"/>
+              <a:ext cx="932873" cy="794328"/>
+            </a:xfrm>
+            <a:prstGeom prst="roundRect">
+              <a:avLst/>
+            </a:prstGeom>
+          </p:spPr>
+          <p:style>
+            <a:lnRef idx="1">
+              <a:schemeClr val="accent6"/>
+            </a:lnRef>
+            <a:fillRef idx="3">
+              <a:schemeClr val="accent6"/>
+            </a:fillRef>
+            <a:effectRef idx="2">
+              <a:schemeClr val="accent6"/>
+            </a:effectRef>
+            <a:fontRef idx="minor">
+              <a:schemeClr val="lt1"/>
+            </a:fontRef>
+          </p:style>
+          <p:txBody>
+            <a:bodyPr rtlCol="0" anchor="ctr"/>
+            <a:lstStyle/>
+            <a:p>
+              <a:pPr algn="ctr"/>
+              <a:r>
+                <a:rPr lang="zh-CN" altLang="en-US" dirty="0"/>
+                <a:t>终端</a:t>
+              </a:r>
+              <a:r>
+                <a:rPr lang="en-US" altLang="zh-CN" dirty="0"/>
+                <a:t>1</a:t>
+              </a:r>
+            </a:p>
+          </p:txBody>
+        </p:sp>
+        <p:sp>
+          <p:nvSpPr>
+            <p:cNvPr id="9" name="矩形: 圆角 8">
+              <a:extLst>
+                <a:ext uri="{FF2B5EF4-FFF2-40B4-BE49-F238E27FC236}">
+                  <a16:creationId xmlns:a16="http://schemas.microsoft.com/office/drawing/2014/main" id="{5F9D4744-663A-D8C3-F687-D4D24DD9804F}"/>
+                </a:ext>
+              </a:extLst>
+            </p:cNvPr>
+            <p:cNvSpPr/>
+            <p:nvPr/>
+          </p:nvSpPr>
+          <p:spPr>
+            <a:xfrm>
+              <a:off x="6821055" y="3352525"/>
+              <a:ext cx="932873" cy="794328"/>
+            </a:xfrm>
+            <a:prstGeom prst="roundRect">
+              <a:avLst/>
+            </a:prstGeom>
+          </p:spPr>
+          <p:style>
+            <a:lnRef idx="1">
+              <a:schemeClr val="accent6"/>
+            </a:lnRef>
+            <a:fillRef idx="3">
+              <a:schemeClr val="accent6"/>
+            </a:fillRef>
+            <a:effectRef idx="2">
+              <a:schemeClr val="accent6"/>
+            </a:effectRef>
+            <a:fontRef idx="minor">
+              <a:schemeClr val="lt1"/>
+            </a:fontRef>
+          </p:style>
+          <p:txBody>
+            <a:bodyPr rtlCol="0" anchor="ctr"/>
+            <a:lstStyle/>
+            <a:p>
+              <a:pPr algn="ctr"/>
+              <a:r>
+                <a:rPr lang="zh-CN" altLang="en-US" dirty="0"/>
+                <a:t>终端</a:t>
+              </a:r>
+              <a:r>
+                <a:rPr lang="en-US" altLang="zh-CN" dirty="0"/>
+                <a:t>4</a:t>
+              </a:r>
+            </a:p>
+          </p:txBody>
+        </p:sp>
+        <p:sp>
+          <p:nvSpPr>
+            <p:cNvPr id="10" name="矩形: 圆角 9">
+              <a:extLst>
+                <a:ext uri="{FF2B5EF4-FFF2-40B4-BE49-F238E27FC236}">
+                  <a16:creationId xmlns:a16="http://schemas.microsoft.com/office/drawing/2014/main" id="{C121B4D5-C88D-9C47-C89F-2612C2B2A5A0}"/>
+                </a:ext>
+              </a:extLst>
+            </p:cNvPr>
+            <p:cNvSpPr/>
+            <p:nvPr/>
+          </p:nvSpPr>
+          <p:spPr>
+            <a:xfrm>
+              <a:off x="3971636" y="3352525"/>
+              <a:ext cx="932873" cy="794328"/>
+            </a:xfrm>
+            <a:prstGeom prst="roundRect">
+              <a:avLst/>
+            </a:prstGeom>
+          </p:spPr>
+          <p:style>
+            <a:lnRef idx="1">
+              <a:schemeClr val="accent6"/>
+            </a:lnRef>
+            <a:fillRef idx="3">
+              <a:schemeClr val="accent6"/>
+            </a:fillRef>
+            <a:effectRef idx="2">
+              <a:schemeClr val="accent6"/>
+            </a:effectRef>
+            <a:fontRef idx="minor">
+              <a:schemeClr val="lt1"/>
+            </a:fontRef>
+          </p:style>
+          <p:txBody>
+            <a:bodyPr rtlCol="0" anchor="ctr"/>
+            <a:lstStyle/>
+            <a:p>
+              <a:pPr algn="ctr"/>
+              <a:r>
+                <a:rPr lang="zh-CN" altLang="en-US" dirty="0"/>
+                <a:t>终端</a:t>
+              </a:r>
+              <a:r>
+                <a:rPr lang="en-US" altLang="zh-CN" dirty="0"/>
+                <a:t>3</a:t>
+              </a:r>
+            </a:p>
+          </p:txBody>
+        </p:sp>
+        <p:sp>
+          <p:nvSpPr>
+            <p:cNvPr id="11" name="矩形: 圆角 10">
+              <a:extLst>
+                <a:ext uri="{FF2B5EF4-FFF2-40B4-BE49-F238E27FC236}">
+                  <a16:creationId xmlns:a16="http://schemas.microsoft.com/office/drawing/2014/main" id="{2A1A5E97-2E00-A7BC-B923-EDDB0E313DA3}"/>
+                </a:ext>
+              </a:extLst>
+            </p:cNvPr>
+            <p:cNvSpPr/>
+            <p:nvPr/>
+          </p:nvSpPr>
+          <p:spPr>
+            <a:xfrm>
+              <a:off x="6821056" y="1506076"/>
+              <a:ext cx="932873" cy="794328"/>
+            </a:xfrm>
+            <a:prstGeom prst="roundRect">
+              <a:avLst/>
+            </a:prstGeom>
+          </p:spPr>
+          <p:style>
+            <a:lnRef idx="1">
+              <a:schemeClr val="accent6"/>
+            </a:lnRef>
+            <a:fillRef idx="3">
+              <a:schemeClr val="accent6"/>
+            </a:fillRef>
+            <a:effectRef idx="2">
+              <a:schemeClr val="accent6"/>
+            </a:effectRef>
+            <a:fontRef idx="minor">
+              <a:schemeClr val="lt1"/>
+            </a:fontRef>
+          </p:style>
+          <p:txBody>
+            <a:bodyPr rtlCol="0" anchor="ctr"/>
+            <a:lstStyle/>
+            <a:p>
+              <a:pPr algn="ctr"/>
+              <a:r>
+                <a:rPr lang="zh-CN" altLang="en-US" dirty="0"/>
+                <a:t>终端</a:t>
+              </a:r>
+              <a:r>
+                <a:rPr lang="en-US" altLang="zh-CN" dirty="0"/>
+                <a:t>2</a:t>
+              </a:r>
+            </a:p>
+          </p:txBody>
+        </p:sp>
+      </p:grpSp>
+      <p:cxnSp>
+        <p:nvCxnSpPr>
+          <p:cNvPr id="14" name="直接箭头连接符 13">
+            <a:extLst>
+              <a:ext uri="{FF2B5EF4-FFF2-40B4-BE49-F238E27FC236}">
+                <a16:creationId xmlns:a16="http://schemas.microsoft.com/office/drawing/2014/main" id="{18E862B4-1E82-2A69-762E-96ED20444998}"/>
+              </a:ext>
+            </a:extLst>
+          </p:cNvPr>
+          <p:cNvCxnSpPr>
+            <a:cxnSpLocks/>
+            <a:stCxn id="2" idx="1"/>
+            <a:endCxn id="5" idx="4"/>
+          </p:cNvCxnSpPr>
+          <p:nvPr/>
+        </p:nvCxnSpPr>
+        <p:spPr>
+          <a:xfrm flipH="1">
+            <a:off x="2682425" y="2821709"/>
+            <a:ext cx="494884" cy="0"/>
+          </a:xfrm>
+          <a:prstGeom prst="straightConnector1">
+            <a:avLst/>
+          </a:prstGeom>
+          <a:ln>
+            <a:headEnd type="triangle"/>
+            <a:tailEnd type="triangle"/>
+          </a:ln>
+        </p:spPr>
+        <p:style>
+          <a:lnRef idx="1">
+            <a:schemeClr val="accent1"/>
+          </a:lnRef>
+          <a:fillRef idx="0">
+            <a:schemeClr val="accent1"/>
+          </a:fillRef>
+          <a:effectRef idx="0">
+            <a:schemeClr val="accent1"/>
+          </a:effectRef>
+          <a:fontRef idx="minor">
+            <a:schemeClr val="tx1"/>
+          </a:fontRef>
+        </p:style>
+      </p:cxnSp>
+      <p:cxnSp>
+        <p:nvCxnSpPr>
+          <p:cNvPr id="16" name="直接箭头连接符 15">
+            <a:extLst>
+              <a:ext uri="{FF2B5EF4-FFF2-40B4-BE49-F238E27FC236}">
+                <a16:creationId xmlns:a16="http://schemas.microsoft.com/office/drawing/2014/main" id="{14002058-7E7F-5EAA-6370-ED60BF8D9ECF}"/>
+              </a:ext>
+            </a:extLst>
+          </p:cNvPr>
+          <p:cNvCxnSpPr>
+            <a:cxnSpLocks/>
+            <a:stCxn id="6" idx="2"/>
+          </p:cNvCxnSpPr>
+          <p:nvPr/>
+        </p:nvCxnSpPr>
+        <p:spPr>
+          <a:xfrm flipH="1">
+            <a:off x="8599055" y="3001074"/>
+            <a:ext cx="702420" cy="0"/>
+          </a:xfrm>
+          <a:prstGeom prst="straightConnector1">
+            <a:avLst/>
+          </a:prstGeom>
+          <a:ln>
+            <a:headEnd type="triangle"/>
+            <a:tailEnd type="triangle"/>
+          </a:ln>
+        </p:spPr>
+        <p:style>
+          <a:lnRef idx="1">
+            <a:schemeClr val="accent1"/>
+          </a:lnRef>
+          <a:fillRef idx="0">
+            <a:schemeClr val="accent1"/>
+          </a:fillRef>
+          <a:effectRef idx="0">
+            <a:schemeClr val="accent1"/>
+          </a:effectRef>
+          <a:fontRef idx="minor">
+            <a:schemeClr val="tx1"/>
+          </a:fontRef>
+        </p:style>
+      </p:cxnSp>
+      <p:sp>
+        <p:nvSpPr>
+          <p:cNvPr id="18" name="文本框 17">
+            <a:extLst>
+              <a:ext uri="{FF2B5EF4-FFF2-40B4-BE49-F238E27FC236}">
+                <a16:creationId xmlns:a16="http://schemas.microsoft.com/office/drawing/2014/main" id="{73FA0FDE-283A-EE6A-8648-49FCCCC25426}"/>
+              </a:ext>
+            </a:extLst>
+          </p:cNvPr>
+          <p:cNvSpPr txBox="1"/>
+          <p:nvPr/>
+        </p:nvSpPr>
+        <p:spPr>
+          <a:xfrm>
+            <a:off x="8627725" y="2677908"/>
+            <a:ext cx="822036" cy="646331"/>
+          </a:xfrm>
+          <a:prstGeom prst="rect">
+            <a:avLst/>
+          </a:prstGeom>
+          <a:noFill/>
+        </p:spPr>
+        <p:txBody>
+          <a:bodyPr wrap="square" rtlCol="0">
+            <a:spAutoFit/>
+          </a:bodyPr>
+          <a:lstStyle/>
+          <a:p>
+            <a:r>
+              <a:rPr lang="zh-CN" altLang="en-US" dirty="0"/>
+              <a:t>争抢任务</a:t>
+            </a:r>
+          </a:p>
+        </p:txBody>
+      </p:sp>
+      <p:sp>
+        <p:nvSpPr>
+          <p:cNvPr id="19" name="文本框 18">
+            <a:extLst>
+              <a:ext uri="{FF2B5EF4-FFF2-40B4-BE49-F238E27FC236}">
+                <a16:creationId xmlns:a16="http://schemas.microsoft.com/office/drawing/2014/main" id="{3C88801B-7713-B908-C7F9-97BCEBC6F4DB}"/>
+              </a:ext>
+            </a:extLst>
+          </p:cNvPr>
+          <p:cNvSpPr txBox="1"/>
+          <p:nvPr/>
+        </p:nvSpPr>
+        <p:spPr>
+          <a:xfrm>
+            <a:off x="873659" y="5717187"/>
+            <a:ext cx="1616364" cy="369332"/>
+          </a:xfrm>
+          <a:prstGeom prst="rect">
+            <a:avLst/>
+          </a:prstGeom>
+          <a:noFill/>
+        </p:spPr>
+        <p:txBody>
+          <a:bodyPr wrap="square" rtlCol="0">
+            <a:spAutoFit/>
+          </a:bodyPr>
+          <a:lstStyle/>
+          <a:p>
+            <a:r>
+              <a:rPr lang="zh-CN" altLang="en-US" dirty="0"/>
+              <a:t>分布式池架构</a:t>
+            </a:r>
+          </a:p>
+        </p:txBody>
+      </p:sp>
     </p:spTree>
     <p:extLst>
       <p:ext uri="{BB962C8B-B14F-4D97-AF65-F5344CB8AC3E}">
         <p14:creationId xmlns:p14="http://schemas.microsoft.com/office/powerpoint/2010/main" val="4134412644"/>
+      </p:ext>
+    </p:extLst>
+  </p:cSld>
+  <p:clrMapOvr>
+    <a:masterClrMapping/>
+  </p:clrMapOvr>
+</p:sld>
+</file>
+
+<file path=ppt/slides/slide4.xml><?xml version="1.0" encoding="utf-8"?>
+<p:sld xmlns:a="http://schemas.openxmlformats.org/drawingml/2006/main" xmlns:r="http://schemas.openxmlformats.org/officeDocument/2006/relationships" xmlns:p="http://schemas.openxmlformats.org/presentationml/2006/main">
+  <p:cSld>
+    <p:spTree>
+      <p:nvGrpSpPr>
+        <p:cNvPr id="1" name=""/>
+        <p:cNvGrpSpPr/>
+        <p:nvPr/>
+      </p:nvGrpSpPr>
+      <p:grpSpPr>
+        <a:xfrm>
+          <a:off x="0" y="0"/>
+          <a:ext cx="0" cy="0"/>
+          <a:chOff x="0" y="0"/>
+          <a:chExt cx="0" cy="0"/>
+        </a:xfrm>
+      </p:grpSpPr>
+      <p:sp>
+        <p:nvSpPr>
+          <p:cNvPr id="2" name="矩形 1">
+            <a:extLst>
+              <a:ext uri="{FF2B5EF4-FFF2-40B4-BE49-F238E27FC236}">
+                <a16:creationId xmlns:a16="http://schemas.microsoft.com/office/drawing/2014/main" id="{CDC1C32A-8AC2-8066-225C-7FA31590B79B}"/>
+              </a:ext>
+            </a:extLst>
+          </p:cNvPr>
+          <p:cNvSpPr/>
+          <p:nvPr/>
+        </p:nvSpPr>
+        <p:spPr>
+          <a:xfrm>
+            <a:off x="4295669" y="2967335"/>
+            <a:ext cx="3600665" cy="923330"/>
+          </a:xfrm>
+          <a:prstGeom prst="rect">
+            <a:avLst/>
+          </a:prstGeom>
+          <a:noFill/>
+        </p:spPr>
+        <p:txBody>
+          <a:bodyPr wrap="none" lIns="91440" tIns="45720" rIns="91440" bIns="45720">
+            <a:spAutoFit/>
+          </a:bodyPr>
+          <a:lstStyle/>
+          <a:p>
+            <a:pPr algn="ctr"/>
+            <a:r>
+              <a:rPr lang="en-US" altLang="zh-CN" sz="5400" b="0" cap="none" spc="0" dirty="0" err="1">
+                <a:ln w="0"/>
+                <a:solidFill>
+                  <a:schemeClr val="tx1"/>
+                </a:solidFill>
+                <a:effectLst>
+                  <a:outerShdw blurRad="38100" dist="19050" dir="2700000" algn="tl" rotWithShape="0">
+                    <a:schemeClr val="dk1">
+                      <a:alpha val="40000"/>
+                    </a:schemeClr>
+                  </a:outerShdw>
+                </a:effectLst>
+              </a:rPr>
+              <a:t>Tkinter</a:t>
+            </a:r>
+            <a:r>
+              <a:rPr lang="zh-CN" altLang="en-US" sz="5400" b="0" cap="none" spc="0" dirty="0">
+                <a:ln w="0"/>
+                <a:solidFill>
+                  <a:schemeClr val="tx1"/>
+                </a:solidFill>
+                <a:effectLst>
+                  <a:outerShdw blurRad="38100" dist="19050" dir="2700000" algn="tl" rotWithShape="0">
+                    <a:schemeClr val="dk1">
+                      <a:alpha val="40000"/>
+                    </a:schemeClr>
+                  </a:outerShdw>
+                </a:effectLst>
+              </a:rPr>
+              <a:t>软件</a:t>
+            </a:r>
+          </a:p>
+        </p:txBody>
+      </p:sp>
+    </p:spTree>
+    <p:extLst>
+      <p:ext uri="{BB962C8B-B14F-4D97-AF65-F5344CB8AC3E}">
+        <p14:creationId xmlns:p14="http://schemas.microsoft.com/office/powerpoint/2010/main" val="3678962288"/>
+      </p:ext>
+    </p:extLst>
+  </p:cSld>
+  <p:clrMapOvr>
+    <a:masterClrMapping/>
+  </p:clrMapOvr>
+</p:sld>
+</file>
+
+<file path=ppt/slides/slide5.xml><?xml version="1.0" encoding="utf-8"?>
+<p:sld xmlns:a="http://schemas.openxmlformats.org/drawingml/2006/main" xmlns:r="http://schemas.openxmlformats.org/officeDocument/2006/relationships" xmlns:p="http://schemas.openxmlformats.org/presentationml/2006/main">
+  <p:cSld>
+    <p:spTree>
+      <p:nvGrpSpPr>
+        <p:cNvPr id="1" name=""/>
+        <p:cNvGrpSpPr/>
+        <p:nvPr/>
+      </p:nvGrpSpPr>
+      <p:grpSpPr>
+        <a:xfrm>
+          <a:off x="0" y="0"/>
+          <a:ext cx="0" cy="0"/>
+          <a:chOff x="0" y="0"/>
+          <a:chExt cx="0" cy="0"/>
+        </a:xfrm>
+      </p:grpSpPr>
+      <p:sp>
+        <p:nvSpPr>
+          <p:cNvPr id="2" name="矩形: 圆角 1">
+            <a:extLst>
+              <a:ext uri="{FF2B5EF4-FFF2-40B4-BE49-F238E27FC236}">
+                <a16:creationId xmlns:a16="http://schemas.microsoft.com/office/drawing/2014/main" id="{0EBE68F4-F369-3D07-DE86-1A2EEAAC5B26}"/>
+              </a:ext>
+            </a:extLst>
+          </p:cNvPr>
+          <p:cNvSpPr/>
+          <p:nvPr/>
+        </p:nvSpPr>
+        <p:spPr>
+          <a:xfrm>
+            <a:off x="3906981" y="1618673"/>
+            <a:ext cx="5126182" cy="3620654"/>
+          </a:xfrm>
+          <a:prstGeom prst="roundRect">
+            <a:avLst/>
+          </a:prstGeom>
+        </p:spPr>
+        <p:style>
+          <a:lnRef idx="2">
+            <a:schemeClr val="accent6"/>
+          </a:lnRef>
+          <a:fillRef idx="1">
+            <a:schemeClr val="lt1"/>
+          </a:fillRef>
+          <a:effectRef idx="0">
+            <a:schemeClr val="accent6"/>
+          </a:effectRef>
+          <a:fontRef idx="minor">
+            <a:schemeClr val="dk1"/>
+          </a:fontRef>
+        </p:style>
+        <p:txBody>
+          <a:bodyPr rtlCol="0" anchor="ctr"/>
+          <a:lstStyle/>
+          <a:p>
+            <a:pPr algn="ctr"/>
+            <a:endParaRPr lang="zh-CN" altLang="en-US"/>
+          </a:p>
+        </p:txBody>
+      </p:sp>
+      <p:sp>
+        <p:nvSpPr>
+          <p:cNvPr id="3" name="矩形: 圆角 2">
+            <a:extLst>
+              <a:ext uri="{FF2B5EF4-FFF2-40B4-BE49-F238E27FC236}">
+                <a16:creationId xmlns:a16="http://schemas.microsoft.com/office/drawing/2014/main" id="{62EE7A69-C49A-FFBE-274C-4AA0E9BF059F}"/>
+              </a:ext>
+            </a:extLst>
+          </p:cNvPr>
+          <p:cNvSpPr/>
+          <p:nvPr/>
+        </p:nvSpPr>
+        <p:spPr>
+          <a:xfrm>
+            <a:off x="4904509" y="2327564"/>
+            <a:ext cx="1191491" cy="526472"/>
+          </a:xfrm>
+          <a:prstGeom prst="roundRect">
+            <a:avLst/>
+          </a:prstGeom>
+        </p:spPr>
+        <p:style>
+          <a:lnRef idx="2">
+            <a:schemeClr val="accent1">
+              <a:shade val="15000"/>
+            </a:schemeClr>
+          </a:lnRef>
+          <a:fillRef idx="1">
+            <a:schemeClr val="accent1"/>
+          </a:fillRef>
+          <a:effectRef idx="0">
+            <a:schemeClr val="accent1"/>
+          </a:effectRef>
+          <a:fontRef idx="minor">
+            <a:schemeClr val="lt1"/>
+          </a:fontRef>
+        </p:style>
+        <p:txBody>
+          <a:bodyPr rtlCol="0" anchor="ctr"/>
+          <a:lstStyle/>
+          <a:p>
+            <a:pPr algn="ctr"/>
+            <a:r>
+              <a:rPr lang="zh-CN" altLang="en-US" dirty="0"/>
+              <a:t>默认模式</a:t>
+            </a:r>
+          </a:p>
+        </p:txBody>
+      </p:sp>
+      <p:sp>
+        <p:nvSpPr>
+          <p:cNvPr id="4" name="矩形: 圆角 3">
+            <a:extLst>
+              <a:ext uri="{FF2B5EF4-FFF2-40B4-BE49-F238E27FC236}">
+                <a16:creationId xmlns:a16="http://schemas.microsoft.com/office/drawing/2014/main" id="{0DB11294-D872-0422-E1B4-6665BA891C21}"/>
+              </a:ext>
+            </a:extLst>
+          </p:cNvPr>
+          <p:cNvSpPr/>
+          <p:nvPr/>
+        </p:nvSpPr>
+        <p:spPr>
+          <a:xfrm>
+            <a:off x="6756400" y="2327564"/>
+            <a:ext cx="1191491" cy="526472"/>
+          </a:xfrm>
+          <a:prstGeom prst="roundRect">
+            <a:avLst/>
+          </a:prstGeom>
+        </p:spPr>
+        <p:style>
+          <a:lnRef idx="2">
+            <a:schemeClr val="accent1">
+              <a:shade val="15000"/>
+            </a:schemeClr>
+          </a:lnRef>
+          <a:fillRef idx="1">
+            <a:schemeClr val="accent1"/>
+          </a:fillRef>
+          <a:effectRef idx="0">
+            <a:schemeClr val="accent1"/>
+          </a:effectRef>
+          <a:fontRef idx="minor">
+            <a:schemeClr val="lt1"/>
+          </a:fontRef>
+        </p:style>
+        <p:txBody>
+          <a:bodyPr rtlCol="0" anchor="ctr"/>
+          <a:lstStyle/>
+          <a:p>
+            <a:pPr algn="ctr"/>
+            <a:r>
+              <a:rPr lang="zh-CN" altLang="en-US" dirty="0"/>
+              <a:t>自定义</a:t>
+            </a:r>
+          </a:p>
+        </p:txBody>
+      </p:sp>
+      <p:sp>
+        <p:nvSpPr>
+          <p:cNvPr id="5" name="流程图: 接点 4">
+            <a:extLst>
+              <a:ext uri="{FF2B5EF4-FFF2-40B4-BE49-F238E27FC236}">
+                <a16:creationId xmlns:a16="http://schemas.microsoft.com/office/drawing/2014/main" id="{E422CE16-2C80-CA34-DCD5-750474EDD5F3}"/>
+              </a:ext>
+            </a:extLst>
+          </p:cNvPr>
+          <p:cNvSpPr/>
+          <p:nvPr/>
+        </p:nvSpPr>
+        <p:spPr>
+          <a:xfrm>
+            <a:off x="8432800" y="4922982"/>
+            <a:ext cx="166255" cy="184727"/>
+          </a:xfrm>
+          <a:prstGeom prst="flowChartConnector">
+            <a:avLst/>
+          </a:prstGeom>
+        </p:spPr>
+        <p:style>
+          <a:lnRef idx="2">
+            <a:schemeClr val="accent1">
+              <a:shade val="15000"/>
+            </a:schemeClr>
+          </a:lnRef>
+          <a:fillRef idx="1">
+            <a:schemeClr val="accent1"/>
+          </a:fillRef>
+          <a:effectRef idx="0">
+            <a:schemeClr val="accent1"/>
+          </a:effectRef>
+          <a:fontRef idx="minor">
+            <a:schemeClr val="lt1"/>
+          </a:fontRef>
+        </p:style>
+        <p:txBody>
+          <a:bodyPr rtlCol="0" anchor="ctr"/>
+          <a:lstStyle/>
+          <a:p>
+            <a:pPr algn="ctr"/>
+            <a:endParaRPr lang="zh-CN" altLang="en-US" dirty="0"/>
+          </a:p>
+        </p:txBody>
+      </p:sp>
+      <p:sp>
+        <p:nvSpPr>
+          <p:cNvPr id="6" name="文本框 5">
+            <a:extLst>
+              <a:ext uri="{FF2B5EF4-FFF2-40B4-BE49-F238E27FC236}">
+                <a16:creationId xmlns:a16="http://schemas.microsoft.com/office/drawing/2014/main" id="{24F023C3-4370-02FF-7498-DE2C0885264D}"/>
+              </a:ext>
+            </a:extLst>
+          </p:cNvPr>
+          <p:cNvSpPr txBox="1"/>
+          <p:nvPr/>
+        </p:nvSpPr>
+        <p:spPr>
+          <a:xfrm>
+            <a:off x="7947891" y="5211679"/>
+            <a:ext cx="1265381" cy="369332"/>
+          </a:xfrm>
+          <a:prstGeom prst="rect">
+            <a:avLst/>
+          </a:prstGeom>
+          <a:noFill/>
+        </p:spPr>
+        <p:txBody>
+          <a:bodyPr wrap="square" rtlCol="0">
+            <a:spAutoFit/>
+          </a:bodyPr>
+          <a:lstStyle/>
+          <a:p>
+            <a:r>
+              <a:rPr lang="zh-CN" altLang="en-US" dirty="0"/>
+              <a:t>添加配置</a:t>
+            </a:r>
+          </a:p>
+        </p:txBody>
+      </p:sp>
+      <p:sp>
+        <p:nvSpPr>
+          <p:cNvPr id="7" name="矩形: 圆角 6">
+            <a:extLst>
+              <a:ext uri="{FF2B5EF4-FFF2-40B4-BE49-F238E27FC236}">
+                <a16:creationId xmlns:a16="http://schemas.microsoft.com/office/drawing/2014/main" id="{5897B63C-F98D-2D10-9A62-A73027BACC02}"/>
+              </a:ext>
+            </a:extLst>
+          </p:cNvPr>
+          <p:cNvSpPr/>
+          <p:nvPr/>
+        </p:nvSpPr>
+        <p:spPr>
+          <a:xfrm>
+            <a:off x="4572000" y="2964873"/>
+            <a:ext cx="3796145" cy="464127"/>
+          </a:xfrm>
+          <a:prstGeom prst="roundRect">
+            <a:avLst/>
+          </a:prstGeom>
+        </p:spPr>
+        <p:style>
+          <a:lnRef idx="2">
+            <a:schemeClr val="accent1">
+              <a:shade val="15000"/>
+            </a:schemeClr>
+          </a:lnRef>
+          <a:fillRef idx="1">
+            <a:schemeClr val="accent1"/>
+          </a:fillRef>
+          <a:effectRef idx="0">
+            <a:schemeClr val="accent1"/>
+          </a:effectRef>
+          <a:fontRef idx="minor">
+            <a:schemeClr val="lt1"/>
+          </a:fontRef>
+        </p:style>
+        <p:txBody>
+          <a:bodyPr rtlCol="0" anchor="ctr"/>
+          <a:lstStyle/>
+          <a:p>
+            <a:pPr algn="ctr"/>
+            <a:r>
+              <a:rPr lang="zh-CN" altLang="en-US" dirty="0"/>
+              <a:t>输入自定义的文件夹，点击后出现</a:t>
+            </a:r>
+          </a:p>
+        </p:txBody>
+      </p:sp>
+      <p:sp>
+        <p:nvSpPr>
+          <p:cNvPr id="8" name="矩形: 圆角 7">
+            <a:extLst>
+              <a:ext uri="{FF2B5EF4-FFF2-40B4-BE49-F238E27FC236}">
+                <a16:creationId xmlns:a16="http://schemas.microsoft.com/office/drawing/2014/main" id="{14676883-4B49-03EA-530C-253F333B459B}"/>
+              </a:ext>
+            </a:extLst>
+          </p:cNvPr>
+          <p:cNvSpPr/>
+          <p:nvPr/>
+        </p:nvSpPr>
+        <p:spPr>
+          <a:xfrm>
+            <a:off x="4664364" y="3639127"/>
+            <a:ext cx="3703781" cy="1136073"/>
+          </a:xfrm>
+          <a:prstGeom prst="roundRect">
+            <a:avLst/>
+          </a:prstGeom>
+        </p:spPr>
+        <p:style>
+          <a:lnRef idx="1">
+            <a:schemeClr val="accent6"/>
+          </a:lnRef>
+          <a:fillRef idx="2">
+            <a:schemeClr val="accent6"/>
+          </a:fillRef>
+          <a:effectRef idx="1">
+            <a:schemeClr val="accent6"/>
+          </a:effectRef>
+          <a:fontRef idx="minor">
+            <a:schemeClr val="dk1"/>
+          </a:fontRef>
+        </p:style>
+        <p:txBody>
+          <a:bodyPr rtlCol="0" anchor="ctr"/>
+          <a:lstStyle/>
+          <a:p>
+            <a:pPr algn="ctr"/>
+            <a:endParaRPr lang="zh-CN" altLang="en-US"/>
+          </a:p>
+        </p:txBody>
+      </p:sp>
+      <p:sp>
+        <p:nvSpPr>
+          <p:cNvPr id="9" name="矩形: 圆角 8">
+            <a:extLst>
+              <a:ext uri="{FF2B5EF4-FFF2-40B4-BE49-F238E27FC236}">
+                <a16:creationId xmlns:a16="http://schemas.microsoft.com/office/drawing/2014/main" id="{4E09F502-ABFC-08A0-21D4-C0AB597ED069}"/>
+              </a:ext>
+            </a:extLst>
+          </p:cNvPr>
+          <p:cNvSpPr/>
+          <p:nvPr/>
+        </p:nvSpPr>
+        <p:spPr>
+          <a:xfrm>
+            <a:off x="4821382" y="4405868"/>
+            <a:ext cx="3398982" cy="369332"/>
+          </a:xfrm>
+          <a:prstGeom prst="roundRect">
+            <a:avLst/>
+          </a:prstGeom>
+        </p:spPr>
+        <p:style>
+          <a:lnRef idx="2">
+            <a:schemeClr val="accent1">
+              <a:shade val="15000"/>
+            </a:schemeClr>
+          </a:lnRef>
+          <a:fillRef idx="1">
+            <a:schemeClr val="accent1"/>
+          </a:fillRef>
+          <a:effectRef idx="0">
+            <a:schemeClr val="accent1"/>
+          </a:effectRef>
+          <a:fontRef idx="minor">
+            <a:schemeClr val="lt1"/>
+          </a:fontRef>
+        </p:style>
+        <p:txBody>
+          <a:bodyPr rtlCol="0" anchor="ctr"/>
+          <a:lstStyle/>
+          <a:p>
+            <a:pPr algn="ctr"/>
+            <a:r>
+              <a:rPr lang="zh-CN" altLang="en-US" dirty="0"/>
+              <a:t>进度条</a:t>
+            </a:r>
+          </a:p>
+        </p:txBody>
+      </p:sp>
+      <p:sp>
+        <p:nvSpPr>
+          <p:cNvPr id="10" name="矩形: 圆角 9">
+            <a:extLst>
+              <a:ext uri="{FF2B5EF4-FFF2-40B4-BE49-F238E27FC236}">
+                <a16:creationId xmlns:a16="http://schemas.microsoft.com/office/drawing/2014/main" id="{2C64EDD9-B441-E08E-B2C4-040865E5F414}"/>
+              </a:ext>
+            </a:extLst>
+          </p:cNvPr>
+          <p:cNvSpPr/>
+          <p:nvPr/>
+        </p:nvSpPr>
+        <p:spPr>
+          <a:xfrm>
+            <a:off x="5523345" y="3786909"/>
+            <a:ext cx="1985818" cy="489527"/>
+          </a:xfrm>
+          <a:prstGeom prst="roundRect">
+            <a:avLst/>
+          </a:prstGeom>
+        </p:spPr>
+        <p:style>
+          <a:lnRef idx="2">
+            <a:schemeClr val="accent1">
+              <a:shade val="15000"/>
+            </a:schemeClr>
+          </a:lnRef>
+          <a:fillRef idx="1">
+            <a:schemeClr val="accent1"/>
+          </a:fillRef>
+          <a:effectRef idx="0">
+            <a:schemeClr val="accent1"/>
+          </a:effectRef>
+          <a:fontRef idx="minor">
+            <a:schemeClr val="lt1"/>
+          </a:fontRef>
+        </p:style>
+        <p:txBody>
+          <a:bodyPr rtlCol="0" anchor="ctr"/>
+          <a:lstStyle/>
+          <a:p>
+            <a:pPr algn="ctr"/>
+            <a:r>
+              <a:rPr lang="en-US" altLang="zh-CN" dirty="0"/>
+              <a:t>label</a:t>
+            </a:r>
+            <a:endParaRPr lang="zh-CN" altLang="en-US" dirty="0"/>
+          </a:p>
+        </p:txBody>
+      </p:sp>
+    </p:spTree>
+    <p:extLst>
+      <p:ext uri="{BB962C8B-B14F-4D97-AF65-F5344CB8AC3E}">
+        <p14:creationId xmlns:p14="http://schemas.microsoft.com/office/powerpoint/2010/main" val="3978379780"/>
       </p:ext>
     </p:extLst>
   </p:cSld>
